--- a/Slide/Web Design 8.pptx
+++ b/Slide/Web Design 8.pptx
@@ -127,7 +127,7 @@
 <file path=ppt/revisionInfo.xml><?xml version="1.0" encoding="utf-8"?>
 <p1510:revInfo xmlns:a="http://schemas.openxmlformats.org/drawingml/2006/main" xmlns:r="http://schemas.openxmlformats.org/officeDocument/2006/relationships" xmlns:p1510="http://schemas.microsoft.com/office/powerpoint/2015/10/main">
   <p1510:revLst>
-    <p1510:client id="{61D9092B-3E3C-4EA8-96B5-E9E36DAF05CB}" v="76" dt="2023-12-17T10:06:00.569"/>
+    <p1510:client id="{61D9092B-3E3C-4EA8-96B5-E9E36DAF05CB}" v="117" dt="2024-01-06T08:16:59.087"/>
   </p1510:revLst>
 </p1510:revInfo>
 </file>
@@ -251,19 +251,42 @@
   <pc:docChgLst>
     <pc:chgData name="kheang ly" userId="0b0eb30075b8a81a" providerId="LiveId" clId="{61D9092B-3E3C-4EA8-96B5-E9E36DAF05CB}"/>
     <pc:docChg chg="undo custSel addSld delSld modSld sldOrd">
-      <pc:chgData name="kheang ly" userId="0b0eb30075b8a81a" providerId="LiveId" clId="{61D9092B-3E3C-4EA8-96B5-E9E36DAF05CB}" dt="2023-12-17T10:07:03.166" v="973" actId="1076"/>
+      <pc:chgData name="kheang ly" userId="0b0eb30075b8a81a" providerId="LiveId" clId="{61D9092B-3E3C-4EA8-96B5-E9E36DAF05CB}" dt="2024-01-06T08:16:59.087" v="1020"/>
       <pc:docMkLst>
         <pc:docMk/>
       </pc:docMkLst>
-      <pc:sldChg chg="add del">
-        <pc:chgData name="kheang ly" userId="0b0eb30075b8a81a" providerId="LiveId" clId="{61D9092B-3E3C-4EA8-96B5-E9E36DAF05CB}" dt="2023-12-17T09:35:36.526" v="292" actId="47"/>
+      <pc:sldChg chg="modSp mod modTransition modAnim">
+        <pc:chgData name="kheang ly" userId="0b0eb30075b8a81a" providerId="LiveId" clId="{61D9092B-3E3C-4EA8-96B5-E9E36DAF05CB}" dt="2024-01-06T08:13:24.180" v="980"/>
+        <pc:sldMkLst>
+          <pc:docMk/>
+          <pc:sldMk cId="2090782520" sldId="256"/>
+        </pc:sldMkLst>
+        <pc:spChg chg="mod">
+          <ac:chgData name="kheang ly" userId="0b0eb30075b8a81a" providerId="LiveId" clId="{61D9092B-3E3C-4EA8-96B5-E9E36DAF05CB}" dt="2024-01-06T08:12:53.680" v="975" actId="1076"/>
+          <ac:spMkLst>
+            <pc:docMk/>
+            <pc:sldMk cId="2090782520" sldId="256"/>
+            <ac:spMk id="4" creationId="{813F0AC8-6421-F463-7559-66E2E25086DD}"/>
+          </ac:spMkLst>
+        </pc:spChg>
+      </pc:sldChg>
+      <pc:sldChg chg="modSp add del mod modTransition modAnim">
+        <pc:chgData name="kheang ly" userId="0b0eb30075b8a81a" providerId="LiveId" clId="{61D9092B-3E3C-4EA8-96B5-E9E36DAF05CB}" dt="2024-01-06T08:16:59.087" v="1020"/>
         <pc:sldMkLst>
           <pc:docMk/>
           <pc:sldMk cId="2949544485" sldId="291"/>
         </pc:sldMkLst>
-      </pc:sldChg>
-      <pc:sldChg chg="addSp delSp modSp mod">
-        <pc:chgData name="kheang ly" userId="0b0eb30075b8a81a" providerId="LiveId" clId="{61D9092B-3E3C-4EA8-96B5-E9E36DAF05CB}" dt="2023-12-17T09:30:47.940" v="65" actId="1076"/>
+        <pc:spChg chg="mod">
+          <ac:chgData name="kheang ly" userId="0b0eb30075b8a81a" providerId="LiveId" clId="{61D9092B-3E3C-4EA8-96B5-E9E36DAF05CB}" dt="2024-01-06T08:16:50.751" v="1018" actId="1076"/>
+          <ac:spMkLst>
+            <pc:docMk/>
+            <pc:sldMk cId="2949544485" sldId="291"/>
+            <ac:spMk id="3" creationId="{D3703452-55C6-BCCE-67D3-D23003ECAFC6}"/>
+          </ac:spMkLst>
+        </pc:spChg>
+      </pc:sldChg>
+      <pc:sldChg chg="addSp delSp modSp mod modTransition modAnim">
+        <pc:chgData name="kheang ly" userId="0b0eb30075b8a81a" providerId="LiveId" clId="{61D9092B-3E3C-4EA8-96B5-E9E36DAF05CB}" dt="2024-01-06T08:13:47.843" v="986"/>
         <pc:sldMkLst>
           <pc:docMk/>
           <pc:sldMk cId="2806038665" sldId="292"/>
@@ -293,8 +316,8 @@
           </ac:picMkLst>
         </pc:picChg>
       </pc:sldChg>
-      <pc:sldChg chg="addSp delSp modSp mod setBg">
-        <pc:chgData name="kheang ly" userId="0b0eb30075b8a81a" providerId="LiveId" clId="{61D9092B-3E3C-4EA8-96B5-E9E36DAF05CB}" dt="2023-12-17T09:30:01.399" v="27" actId="1076"/>
+      <pc:sldChg chg="addSp delSp modSp mod modTransition setBg modAnim">
+        <pc:chgData name="kheang ly" userId="0b0eb30075b8a81a" providerId="LiveId" clId="{61D9092B-3E3C-4EA8-96B5-E9E36DAF05CB}" dt="2024-01-06T08:13:36.817" v="983"/>
         <pc:sldMkLst>
           <pc:docMk/>
           <pc:sldMk cId="1353900232" sldId="293"/>
@@ -412,8 +435,8 @@
           <pc:sldMk cId="1158141073" sldId="301"/>
         </pc:sldMkLst>
       </pc:sldChg>
-      <pc:sldChg chg="modSp add mod">
-        <pc:chgData name="kheang ly" userId="0b0eb30075b8a81a" providerId="LiveId" clId="{61D9092B-3E3C-4EA8-96B5-E9E36DAF05CB}" dt="2023-12-17T09:35:24.280" v="282" actId="1076"/>
+      <pc:sldChg chg="modSp add mod modAnim">
+        <pc:chgData name="kheang ly" userId="0b0eb30075b8a81a" providerId="LiveId" clId="{61D9092B-3E3C-4EA8-96B5-E9E36DAF05CB}" dt="2024-01-06T08:13:53.841" v="988"/>
         <pc:sldMkLst>
           <pc:docMk/>
           <pc:sldMk cId="2308814739" sldId="302"/>
@@ -435,8 +458,8 @@
           </ac:picMkLst>
         </pc:picChg>
       </pc:sldChg>
-      <pc:sldChg chg="modSp add mod">
-        <pc:chgData name="kheang ly" userId="0b0eb30075b8a81a" providerId="LiveId" clId="{61D9092B-3E3C-4EA8-96B5-E9E36DAF05CB}" dt="2023-12-17T09:43:41.021" v="521" actId="1076"/>
+      <pc:sldChg chg="modSp add mod modTransition modAnim">
+        <pc:chgData name="kheang ly" userId="0b0eb30075b8a81a" providerId="LiveId" clId="{61D9092B-3E3C-4EA8-96B5-E9E36DAF05CB}" dt="2024-01-06T08:14:54.059" v="994"/>
         <pc:sldMkLst>
           <pc:docMk/>
           <pc:sldMk cId="2803680566" sldId="303"/>
@@ -450,8 +473,8 @@
           </ac:spMkLst>
         </pc:spChg>
       </pc:sldChg>
-      <pc:sldChg chg="modSp add mod">
-        <pc:chgData name="kheang ly" userId="0b0eb30075b8a81a" providerId="LiveId" clId="{61D9092B-3E3C-4EA8-96B5-E9E36DAF05CB}" dt="2023-12-17T09:40:48.383" v="346" actId="20577"/>
+      <pc:sldChg chg="modSp add mod modTransition modAnim">
+        <pc:chgData name="kheang ly" userId="0b0eb30075b8a81a" providerId="LiveId" clId="{61D9092B-3E3C-4EA8-96B5-E9E36DAF05CB}" dt="2024-01-06T08:14:10.849" v="991"/>
         <pc:sldMkLst>
           <pc:docMk/>
           <pc:sldMk cId="1474267347" sldId="304"/>
@@ -465,8 +488,8 @@
           </ac:spMkLst>
         </pc:spChg>
       </pc:sldChg>
-      <pc:sldChg chg="addSp delSp modSp add mod ord">
-        <pc:chgData name="kheang ly" userId="0b0eb30075b8a81a" providerId="LiveId" clId="{61D9092B-3E3C-4EA8-96B5-E9E36DAF05CB}" dt="2023-12-17T09:49:08.111" v="677" actId="1076"/>
+      <pc:sldChg chg="addSp delSp modSp add mod ord modTransition modAnim">
+        <pc:chgData name="kheang ly" userId="0b0eb30075b8a81a" providerId="LiveId" clId="{61D9092B-3E3C-4EA8-96B5-E9E36DAF05CB}" dt="2024-01-06T08:15:27.577" v="1001"/>
         <pc:sldMkLst>
           <pc:docMk/>
           <pc:sldMk cId="1513250407" sldId="305"/>
@@ -504,8 +527,8 @@
           </ac:picMkLst>
         </pc:picChg>
       </pc:sldChg>
-      <pc:sldChg chg="modSp add mod">
-        <pc:chgData name="kheang ly" userId="0b0eb30075b8a81a" providerId="LiveId" clId="{61D9092B-3E3C-4EA8-96B5-E9E36DAF05CB}" dt="2023-12-17T09:45:46.837" v="599" actId="1076"/>
+      <pc:sldChg chg="modSp add mod modTransition modAnim">
+        <pc:chgData name="kheang ly" userId="0b0eb30075b8a81a" providerId="LiveId" clId="{61D9092B-3E3C-4EA8-96B5-E9E36DAF05CB}" dt="2024-01-06T08:15:12.263" v="997"/>
         <pc:sldMkLst>
           <pc:docMk/>
           <pc:sldMk cId="2770044966" sldId="306"/>
@@ -527,8 +550,8 @@
           </ac:picMkLst>
         </pc:picChg>
       </pc:sldChg>
-      <pc:sldChg chg="addSp delSp modSp add mod">
-        <pc:chgData name="kheang ly" userId="0b0eb30075b8a81a" providerId="LiveId" clId="{61D9092B-3E3C-4EA8-96B5-E9E36DAF05CB}" dt="2023-12-17T09:56:04.619" v="693" actId="14100"/>
+      <pc:sldChg chg="addSp delSp modSp add mod modAnim">
+        <pc:chgData name="kheang ly" userId="0b0eb30075b8a81a" providerId="LiveId" clId="{61D9092B-3E3C-4EA8-96B5-E9E36DAF05CB}" dt="2024-01-06T08:15:44.186" v="1006"/>
         <pc:sldMkLst>
           <pc:docMk/>
           <pc:sldMk cId="2332626472" sldId="307"/>
@@ -542,7 +565,7 @@
           </ac:spMkLst>
         </pc:spChg>
         <pc:picChg chg="add mod">
-          <ac:chgData name="kheang ly" userId="0b0eb30075b8a81a" providerId="LiveId" clId="{61D9092B-3E3C-4EA8-96B5-E9E36DAF05CB}" dt="2023-12-17T09:56:04.619" v="693" actId="14100"/>
+          <ac:chgData name="kheang ly" userId="0b0eb30075b8a81a" providerId="LiveId" clId="{61D9092B-3E3C-4EA8-96B5-E9E36DAF05CB}" dt="2024-01-06T08:15:43.192" v="1005" actId="1076"/>
           <ac:picMkLst>
             <pc:docMk/>
             <pc:sldMk cId="2332626472" sldId="307"/>
@@ -558,8 +581,8 @@
           </ac:picMkLst>
         </pc:picChg>
       </pc:sldChg>
-      <pc:sldChg chg="addSp delSp modSp add mod">
-        <pc:chgData name="kheang ly" userId="0b0eb30075b8a81a" providerId="LiveId" clId="{61D9092B-3E3C-4EA8-96B5-E9E36DAF05CB}" dt="2023-12-17T09:58:02.272" v="774" actId="1076"/>
+      <pc:sldChg chg="addSp delSp modSp add mod modTransition modAnim">
+        <pc:chgData name="kheang ly" userId="0b0eb30075b8a81a" providerId="LiveId" clId="{61D9092B-3E3C-4EA8-96B5-E9E36DAF05CB}" dt="2024-01-06T08:15:59.296" v="1010"/>
         <pc:sldMkLst>
           <pc:docMk/>
           <pc:sldMk cId="2117670563" sldId="308"/>
@@ -605,8 +628,8 @@
           </ac:picMkLst>
         </pc:picChg>
       </pc:sldChg>
-      <pc:sldChg chg="delSp modSp add mod">
-        <pc:chgData name="kheang ly" userId="0b0eb30075b8a81a" providerId="LiveId" clId="{61D9092B-3E3C-4EA8-96B5-E9E36DAF05CB}" dt="2023-12-17T10:05:54.080" v="850" actId="1076"/>
+      <pc:sldChg chg="delSp modSp add mod modTransition modAnim">
+        <pc:chgData name="kheang ly" userId="0b0eb30075b8a81a" providerId="LiveId" clId="{61D9092B-3E3C-4EA8-96B5-E9E36DAF05CB}" dt="2024-01-06T08:16:14.731" v="1013"/>
         <pc:sldMkLst>
           <pc:docMk/>
           <pc:sldMk cId="1461950959" sldId="309"/>
@@ -636,8 +659,8 @@
           </ac:picMkLst>
         </pc:picChg>
       </pc:sldChg>
-      <pc:sldChg chg="delSp modSp add mod">
-        <pc:chgData name="kheang ly" userId="0b0eb30075b8a81a" providerId="LiveId" clId="{61D9092B-3E3C-4EA8-96B5-E9E36DAF05CB}" dt="2023-12-17T10:07:03.166" v="973" actId="1076"/>
+      <pc:sldChg chg="delSp modSp add mod modTransition modAnim">
+        <pc:chgData name="kheang ly" userId="0b0eb30075b8a81a" providerId="LiveId" clId="{61D9092B-3E3C-4EA8-96B5-E9E36DAF05CB}" dt="2024-01-06T08:16:31.567" v="1016"/>
         <pc:sldMkLst>
           <pc:docMk/>
           <pc:sldMk cId="4244243564" sldId="310"/>
@@ -2492,7 +2515,7 @@
           <a:p>
             <a:fld id="{E3ABFDA4-59B1-48E3-82A7-B37880BAD3BC}" type="datetimeFigureOut">
               <a:rPr lang="en-US" smtClean="0"/>
-              <a:t>12/17/2023</a:t>
+              <a:t>1/6/2024</a:t>
             </a:fld>
             <a:endParaRPr lang="en-US"/>
           </a:p>
@@ -2690,7 +2713,7 @@
           <a:p>
             <a:fld id="{E3ABFDA4-59B1-48E3-82A7-B37880BAD3BC}" type="datetimeFigureOut">
               <a:rPr lang="en-US" smtClean="0"/>
-              <a:t>12/17/2023</a:t>
+              <a:t>1/6/2024</a:t>
             </a:fld>
             <a:endParaRPr lang="en-US"/>
           </a:p>
@@ -2898,7 +2921,7 @@
           <a:p>
             <a:fld id="{E3ABFDA4-59B1-48E3-82A7-B37880BAD3BC}" type="datetimeFigureOut">
               <a:rPr lang="en-US" smtClean="0"/>
-              <a:t>12/17/2023</a:t>
+              <a:t>1/6/2024</a:t>
             </a:fld>
             <a:endParaRPr lang="en-US"/>
           </a:p>
@@ -3096,7 +3119,7 @@
           <a:p>
             <a:fld id="{E3ABFDA4-59B1-48E3-82A7-B37880BAD3BC}" type="datetimeFigureOut">
               <a:rPr lang="en-US" smtClean="0"/>
-              <a:t>12/17/2023</a:t>
+              <a:t>1/6/2024</a:t>
             </a:fld>
             <a:endParaRPr lang="en-US"/>
           </a:p>
@@ -3371,7 +3394,7 @@
           <a:p>
             <a:fld id="{E3ABFDA4-59B1-48E3-82A7-B37880BAD3BC}" type="datetimeFigureOut">
               <a:rPr lang="en-US" smtClean="0"/>
-              <a:t>12/17/2023</a:t>
+              <a:t>1/6/2024</a:t>
             </a:fld>
             <a:endParaRPr lang="en-US"/>
           </a:p>
@@ -3636,7 +3659,7 @@
           <a:p>
             <a:fld id="{E3ABFDA4-59B1-48E3-82A7-B37880BAD3BC}" type="datetimeFigureOut">
               <a:rPr lang="en-US" smtClean="0"/>
-              <a:t>12/17/2023</a:t>
+              <a:t>1/6/2024</a:t>
             </a:fld>
             <a:endParaRPr lang="en-US"/>
           </a:p>
@@ -4048,7 +4071,7 @@
           <a:p>
             <a:fld id="{E3ABFDA4-59B1-48E3-82A7-B37880BAD3BC}" type="datetimeFigureOut">
               <a:rPr lang="en-US" smtClean="0"/>
-              <a:t>12/17/2023</a:t>
+              <a:t>1/6/2024</a:t>
             </a:fld>
             <a:endParaRPr lang="en-US"/>
           </a:p>
@@ -4189,7 +4212,7 @@
           <a:p>
             <a:fld id="{E3ABFDA4-59B1-48E3-82A7-B37880BAD3BC}" type="datetimeFigureOut">
               <a:rPr lang="en-US" smtClean="0"/>
-              <a:t>12/17/2023</a:t>
+              <a:t>1/6/2024</a:t>
             </a:fld>
             <a:endParaRPr lang="en-US"/>
           </a:p>
@@ -4302,7 +4325,7 @@
           <a:p>
             <a:fld id="{E3ABFDA4-59B1-48E3-82A7-B37880BAD3BC}" type="datetimeFigureOut">
               <a:rPr lang="en-US" smtClean="0"/>
-              <a:t>12/17/2023</a:t>
+              <a:t>1/6/2024</a:t>
             </a:fld>
             <a:endParaRPr lang="en-US"/>
           </a:p>
@@ -4613,7 +4636,7 @@
           <a:p>
             <a:fld id="{E3ABFDA4-59B1-48E3-82A7-B37880BAD3BC}" type="datetimeFigureOut">
               <a:rPr lang="en-US" smtClean="0"/>
-              <a:t>12/17/2023</a:t>
+              <a:t>1/6/2024</a:t>
             </a:fld>
             <a:endParaRPr lang="en-US"/>
           </a:p>
@@ -4901,7 +4924,7 @@
           <a:p>
             <a:fld id="{E3ABFDA4-59B1-48E3-82A7-B37880BAD3BC}" type="datetimeFigureOut">
               <a:rPr lang="en-US" smtClean="0"/>
-              <a:t>12/17/2023</a:t>
+              <a:t>1/6/2024</a:t>
             </a:fld>
             <a:endParaRPr lang="en-US"/>
           </a:p>
@@ -5142,7 +5165,7 @@
           <a:p>
             <a:fld id="{E3ABFDA4-59B1-48E3-82A7-B37880BAD3BC}" type="datetimeFigureOut">
               <a:rPr lang="en-US" smtClean="0"/>
-              <a:t>12/17/2023</a:t>
+              <a:t>1/6/2024</a:t>
             </a:fld>
             <a:endParaRPr lang="en-US"/>
           </a:p>
@@ -5589,7 +5612,7 @@
           <a:p>
             <a:pPr algn="ctr"/>
             <a:r>
-              <a:rPr lang="en-US" sz="9600" b="1">
+              <a:rPr lang="en-US" sz="9600" b="1" dirty="0">
                 <a:solidFill>
                   <a:srgbClr val="002060"/>
                 </a:solidFill>
@@ -5753,6 +5776,268 @@
   <p:clrMapOvr>
     <a:masterClrMapping/>
   </p:clrMapOvr>
+  <mc:AlternateContent xmlns:mc="http://schemas.openxmlformats.org/markup-compatibility/2006">
+    <mc:Choice xmlns:p14="http://schemas.microsoft.com/office/powerpoint/2010/main" Requires="p14">
+      <p:transition spd="med" p14:dur="700">
+        <p:fade/>
+      </p:transition>
+    </mc:Choice>
+    <mc:Fallback>
+      <p:transition spd="med">
+        <p:fade/>
+      </p:transition>
+    </mc:Fallback>
+  </mc:AlternateContent>
+  <p:timing>
+    <p:tnLst>
+      <p:par>
+        <p:cTn id="1" dur="indefinite" restart="never" nodeType="tmRoot">
+          <p:childTnLst>
+            <p:seq concurrent="1" nextAc="seek">
+              <p:cTn id="2" dur="indefinite" nodeType="mainSeq">
+                <p:childTnLst>
+                  <p:par>
+                    <p:cTn id="3" fill="hold">
+                      <p:stCondLst>
+                        <p:cond delay="indefinite"/>
+                      </p:stCondLst>
+                      <p:childTnLst>
+                        <p:par>
+                          <p:cTn id="4" fill="hold">
+                            <p:stCondLst>
+                              <p:cond delay="0"/>
+                            </p:stCondLst>
+                            <p:childTnLst>
+                              <p:par>
+                                <p:cTn id="5" presetID="10" presetClass="entr" presetSubtype="0" fill="hold" nodeType="clickEffect">
+                                  <p:stCondLst>
+                                    <p:cond delay="0"/>
+                                  </p:stCondLst>
+                                  <p:childTnLst>
+                                    <p:set>
+                                      <p:cBhvr>
+                                        <p:cTn id="6" dur="1" fill="hold">
+                                          <p:stCondLst>
+                                            <p:cond delay="0"/>
+                                          </p:stCondLst>
+                                        </p:cTn>
+                                        <p:tgtEl>
+                                          <p:spTgt spid="4">
+                                            <p:txEl>
+                                              <p:pRg st="0" end="0"/>
+                                            </p:txEl>
+                                          </p:spTgt>
+                                        </p:tgtEl>
+                                        <p:attrNameLst>
+                                          <p:attrName>style.visibility</p:attrName>
+                                        </p:attrNameLst>
+                                      </p:cBhvr>
+                                      <p:to>
+                                        <p:strVal val="visible"/>
+                                      </p:to>
+                                    </p:set>
+                                    <p:animEffect transition="in" filter="fade">
+                                      <p:cBhvr>
+                                        <p:cTn id="7" dur="500"/>
+                                        <p:tgtEl>
+                                          <p:spTgt spid="4">
+                                            <p:txEl>
+                                              <p:pRg st="0" end="0"/>
+                                            </p:txEl>
+                                          </p:spTgt>
+                                        </p:tgtEl>
+                                      </p:cBhvr>
+                                    </p:animEffect>
+                                  </p:childTnLst>
+                                </p:cTn>
+                              </p:par>
+                            </p:childTnLst>
+                          </p:cTn>
+                        </p:par>
+                      </p:childTnLst>
+                    </p:cTn>
+                  </p:par>
+                  <p:par>
+                    <p:cTn id="8" fill="hold">
+                      <p:stCondLst>
+                        <p:cond delay="indefinite"/>
+                      </p:stCondLst>
+                      <p:childTnLst>
+                        <p:par>
+                          <p:cTn id="9" fill="hold">
+                            <p:stCondLst>
+                              <p:cond delay="0"/>
+                            </p:stCondLst>
+                            <p:childTnLst>
+                              <p:par>
+                                <p:cTn id="10" presetID="10" presetClass="entr" presetSubtype="0" fill="hold" nodeType="clickEffect">
+                                  <p:stCondLst>
+                                    <p:cond delay="0"/>
+                                  </p:stCondLst>
+                                  <p:childTnLst>
+                                    <p:set>
+                                      <p:cBhvr>
+                                        <p:cTn id="11" dur="1" fill="hold">
+                                          <p:stCondLst>
+                                            <p:cond delay="0"/>
+                                          </p:stCondLst>
+                                        </p:cTn>
+                                        <p:tgtEl>
+                                          <p:spTgt spid="7"/>
+                                        </p:tgtEl>
+                                        <p:attrNameLst>
+                                          <p:attrName>style.visibility</p:attrName>
+                                        </p:attrNameLst>
+                                      </p:cBhvr>
+                                      <p:to>
+                                        <p:strVal val="visible"/>
+                                      </p:to>
+                                    </p:set>
+                                    <p:animEffect transition="in" filter="fade">
+                                      <p:cBhvr>
+                                        <p:cTn id="12" dur="500"/>
+                                        <p:tgtEl>
+                                          <p:spTgt spid="7"/>
+                                        </p:tgtEl>
+                                      </p:cBhvr>
+                                    </p:animEffect>
+                                  </p:childTnLst>
+                                </p:cTn>
+                              </p:par>
+                            </p:childTnLst>
+                          </p:cTn>
+                        </p:par>
+                      </p:childTnLst>
+                    </p:cTn>
+                  </p:par>
+                  <p:par>
+                    <p:cTn id="13" fill="hold">
+                      <p:stCondLst>
+                        <p:cond delay="indefinite"/>
+                      </p:stCondLst>
+                      <p:childTnLst>
+                        <p:par>
+                          <p:cTn id="14" fill="hold">
+                            <p:stCondLst>
+                              <p:cond delay="0"/>
+                            </p:stCondLst>
+                            <p:childTnLst>
+                              <p:par>
+                                <p:cTn id="15" presetID="10" presetClass="entr" presetSubtype="0" fill="hold" nodeType="clickEffect">
+                                  <p:stCondLst>
+                                    <p:cond delay="0"/>
+                                  </p:stCondLst>
+                                  <p:childTnLst>
+                                    <p:set>
+                                      <p:cBhvr>
+                                        <p:cTn id="16" dur="1" fill="hold">
+                                          <p:stCondLst>
+                                            <p:cond delay="0"/>
+                                          </p:stCondLst>
+                                        </p:cTn>
+                                        <p:tgtEl>
+                                          <p:spTgt spid="6"/>
+                                        </p:tgtEl>
+                                        <p:attrNameLst>
+                                          <p:attrName>style.visibility</p:attrName>
+                                        </p:attrNameLst>
+                                      </p:cBhvr>
+                                      <p:to>
+                                        <p:strVal val="visible"/>
+                                      </p:to>
+                                    </p:set>
+                                    <p:animEffect transition="in" filter="fade">
+                                      <p:cBhvr>
+                                        <p:cTn id="17" dur="500"/>
+                                        <p:tgtEl>
+                                          <p:spTgt spid="6"/>
+                                        </p:tgtEl>
+                                      </p:cBhvr>
+                                    </p:animEffect>
+                                  </p:childTnLst>
+                                </p:cTn>
+                              </p:par>
+                            </p:childTnLst>
+                          </p:cTn>
+                        </p:par>
+                      </p:childTnLst>
+                    </p:cTn>
+                  </p:par>
+                  <p:par>
+                    <p:cTn id="18" fill="hold">
+                      <p:stCondLst>
+                        <p:cond delay="indefinite"/>
+                      </p:stCondLst>
+                      <p:childTnLst>
+                        <p:par>
+                          <p:cTn id="19" fill="hold">
+                            <p:stCondLst>
+                              <p:cond delay="0"/>
+                            </p:stCondLst>
+                            <p:childTnLst>
+                              <p:par>
+                                <p:cTn id="20" presetID="10" presetClass="entr" presetSubtype="0" fill="hold" nodeType="clickEffect">
+                                  <p:stCondLst>
+                                    <p:cond delay="0"/>
+                                  </p:stCondLst>
+                                  <p:childTnLst>
+                                    <p:set>
+                                      <p:cBhvr>
+                                        <p:cTn id="21" dur="1" fill="hold">
+                                          <p:stCondLst>
+                                            <p:cond delay="0"/>
+                                          </p:stCondLst>
+                                        </p:cTn>
+                                        <p:tgtEl>
+                                          <p:spTgt spid="5"/>
+                                        </p:tgtEl>
+                                        <p:attrNameLst>
+                                          <p:attrName>style.visibility</p:attrName>
+                                        </p:attrNameLst>
+                                      </p:cBhvr>
+                                      <p:to>
+                                        <p:strVal val="visible"/>
+                                      </p:to>
+                                    </p:set>
+                                    <p:animEffect transition="in" filter="fade">
+                                      <p:cBhvr>
+                                        <p:cTn id="22" dur="500"/>
+                                        <p:tgtEl>
+                                          <p:spTgt spid="5"/>
+                                        </p:tgtEl>
+                                      </p:cBhvr>
+                                    </p:animEffect>
+                                  </p:childTnLst>
+                                </p:cTn>
+                              </p:par>
+                            </p:childTnLst>
+                          </p:cTn>
+                        </p:par>
+                      </p:childTnLst>
+                    </p:cTn>
+                  </p:par>
+                </p:childTnLst>
+              </p:cTn>
+              <p:prevCondLst>
+                <p:cond evt="onPrev" delay="0">
+                  <p:tgtEl>
+                    <p:sldTgt/>
+                  </p:tgtEl>
+                </p:cond>
+              </p:prevCondLst>
+              <p:nextCondLst>
+                <p:cond evt="onNext" delay="0">
+                  <p:tgtEl>
+                    <p:sldTgt/>
+                  </p:tgtEl>
+                </p:cond>
+              </p:nextCondLst>
+            </p:seq>
+          </p:childTnLst>
+        </p:cTn>
+      </p:par>
+    </p:tnLst>
+  </p:timing>
 </p:sld>
 </file>
 
@@ -5975,6 +6260,258 @@
   <p:clrMapOvr>
     <a:masterClrMapping/>
   </p:clrMapOvr>
+  <mc:AlternateContent xmlns:mc="http://schemas.openxmlformats.org/markup-compatibility/2006">
+    <mc:Choice xmlns:p14="http://schemas.microsoft.com/office/powerpoint/2010/main" Requires="p14">
+      <p:transition spd="med" p14:dur="700">
+        <p:fade/>
+      </p:transition>
+    </mc:Choice>
+    <mc:Fallback>
+      <p:transition spd="med">
+        <p:fade/>
+      </p:transition>
+    </mc:Fallback>
+  </mc:AlternateContent>
+  <p:timing>
+    <p:tnLst>
+      <p:par>
+        <p:cTn id="1" dur="indefinite" restart="never" nodeType="tmRoot">
+          <p:childTnLst>
+            <p:seq concurrent="1" nextAc="seek">
+              <p:cTn id="2" dur="indefinite" nodeType="mainSeq">
+                <p:childTnLst>
+                  <p:par>
+                    <p:cTn id="3" fill="hold">
+                      <p:stCondLst>
+                        <p:cond delay="indefinite"/>
+                      </p:stCondLst>
+                      <p:childTnLst>
+                        <p:par>
+                          <p:cTn id="4" fill="hold">
+                            <p:stCondLst>
+                              <p:cond delay="0"/>
+                            </p:stCondLst>
+                            <p:childTnLst>
+                              <p:par>
+                                <p:cTn id="5" presetID="10" presetClass="entr" presetSubtype="0" fill="hold" nodeType="clickEffect">
+                                  <p:stCondLst>
+                                    <p:cond delay="0"/>
+                                  </p:stCondLst>
+                                  <p:childTnLst>
+                                    <p:set>
+                                      <p:cBhvr>
+                                        <p:cTn id="6" dur="1" fill="hold">
+                                          <p:stCondLst>
+                                            <p:cond delay="0"/>
+                                          </p:stCondLst>
+                                        </p:cTn>
+                                        <p:tgtEl>
+                                          <p:spTgt spid="2050"/>
+                                        </p:tgtEl>
+                                        <p:attrNameLst>
+                                          <p:attrName>style.visibility</p:attrName>
+                                        </p:attrNameLst>
+                                      </p:cBhvr>
+                                      <p:to>
+                                        <p:strVal val="visible"/>
+                                      </p:to>
+                                    </p:set>
+                                    <p:animEffect transition="in" filter="fade">
+                                      <p:cBhvr>
+                                        <p:cTn id="7" dur="500"/>
+                                        <p:tgtEl>
+                                          <p:spTgt spid="2050"/>
+                                        </p:tgtEl>
+                                      </p:cBhvr>
+                                    </p:animEffect>
+                                  </p:childTnLst>
+                                </p:cTn>
+                              </p:par>
+                            </p:childTnLst>
+                          </p:cTn>
+                        </p:par>
+                      </p:childTnLst>
+                    </p:cTn>
+                  </p:par>
+                  <p:par>
+                    <p:cTn id="8" fill="hold">
+                      <p:stCondLst>
+                        <p:cond delay="indefinite"/>
+                      </p:stCondLst>
+                      <p:childTnLst>
+                        <p:par>
+                          <p:cTn id="9" fill="hold">
+                            <p:stCondLst>
+                              <p:cond delay="0"/>
+                            </p:stCondLst>
+                            <p:childTnLst>
+                              <p:par>
+                                <p:cTn id="10" presetID="10" presetClass="entr" presetSubtype="0" fill="hold" nodeType="clickEffect">
+                                  <p:stCondLst>
+                                    <p:cond delay="0"/>
+                                  </p:stCondLst>
+                                  <p:childTnLst>
+                                    <p:set>
+                                      <p:cBhvr>
+                                        <p:cTn id="11" dur="1" fill="hold">
+                                          <p:stCondLst>
+                                            <p:cond delay="0"/>
+                                          </p:stCondLst>
+                                        </p:cTn>
+                                        <p:tgtEl>
+                                          <p:spTgt spid="8196"/>
+                                        </p:tgtEl>
+                                        <p:attrNameLst>
+                                          <p:attrName>style.visibility</p:attrName>
+                                        </p:attrNameLst>
+                                      </p:cBhvr>
+                                      <p:to>
+                                        <p:strVal val="visible"/>
+                                      </p:to>
+                                    </p:set>
+                                    <p:animEffect transition="in" filter="fade">
+                                      <p:cBhvr>
+                                        <p:cTn id="12" dur="500"/>
+                                        <p:tgtEl>
+                                          <p:spTgt spid="8196"/>
+                                        </p:tgtEl>
+                                      </p:cBhvr>
+                                    </p:animEffect>
+                                  </p:childTnLst>
+                                </p:cTn>
+                              </p:par>
+                            </p:childTnLst>
+                          </p:cTn>
+                        </p:par>
+                      </p:childTnLst>
+                    </p:cTn>
+                  </p:par>
+                  <p:par>
+                    <p:cTn id="13" fill="hold">
+                      <p:stCondLst>
+                        <p:cond delay="indefinite"/>
+                      </p:stCondLst>
+                      <p:childTnLst>
+                        <p:par>
+                          <p:cTn id="14" fill="hold">
+                            <p:stCondLst>
+                              <p:cond delay="0"/>
+                            </p:stCondLst>
+                            <p:childTnLst>
+                              <p:par>
+                                <p:cTn id="15" presetID="10" presetClass="entr" presetSubtype="0" fill="hold" nodeType="clickEffect">
+                                  <p:stCondLst>
+                                    <p:cond delay="0"/>
+                                  </p:stCondLst>
+                                  <p:childTnLst>
+                                    <p:set>
+                                      <p:cBhvr>
+                                        <p:cTn id="16" dur="1" fill="hold">
+                                          <p:stCondLst>
+                                            <p:cond delay="0"/>
+                                          </p:stCondLst>
+                                        </p:cTn>
+                                        <p:tgtEl>
+                                          <p:spTgt spid="2">
+                                            <p:txEl>
+                                              <p:pRg st="0" end="0"/>
+                                            </p:txEl>
+                                          </p:spTgt>
+                                        </p:tgtEl>
+                                        <p:attrNameLst>
+                                          <p:attrName>style.visibility</p:attrName>
+                                        </p:attrNameLst>
+                                      </p:cBhvr>
+                                      <p:to>
+                                        <p:strVal val="visible"/>
+                                      </p:to>
+                                    </p:set>
+                                    <p:animEffect transition="in" filter="fade">
+                                      <p:cBhvr>
+                                        <p:cTn id="17" dur="500"/>
+                                        <p:tgtEl>
+                                          <p:spTgt spid="2">
+                                            <p:txEl>
+                                              <p:pRg st="0" end="0"/>
+                                            </p:txEl>
+                                          </p:spTgt>
+                                        </p:tgtEl>
+                                      </p:cBhvr>
+                                    </p:animEffect>
+                                  </p:childTnLst>
+                                </p:cTn>
+                              </p:par>
+                              <p:par>
+                                <p:cTn id="18" presetID="10" presetClass="entr" presetSubtype="0" fill="hold" nodeType="withEffect">
+                                  <p:stCondLst>
+                                    <p:cond delay="0"/>
+                                  </p:stCondLst>
+                                  <p:childTnLst>
+                                    <p:set>
+                                      <p:cBhvr>
+                                        <p:cTn id="19" dur="1" fill="hold">
+                                          <p:stCondLst>
+                                            <p:cond delay="0"/>
+                                          </p:stCondLst>
+                                        </p:cTn>
+                                        <p:tgtEl>
+                                          <p:spTgt spid="2">
+                                            <p:txEl>
+                                              <p:pRg st="1" end="1"/>
+                                            </p:txEl>
+                                          </p:spTgt>
+                                        </p:tgtEl>
+                                        <p:attrNameLst>
+                                          <p:attrName>style.visibility</p:attrName>
+                                        </p:attrNameLst>
+                                      </p:cBhvr>
+                                      <p:to>
+                                        <p:strVal val="visible"/>
+                                      </p:to>
+                                    </p:set>
+                                    <p:animEffect transition="in" filter="fade">
+                                      <p:cBhvr>
+                                        <p:cTn id="20" dur="500"/>
+                                        <p:tgtEl>
+                                          <p:spTgt spid="2">
+                                            <p:txEl>
+                                              <p:pRg st="1" end="1"/>
+                                            </p:txEl>
+                                          </p:spTgt>
+                                        </p:tgtEl>
+                                      </p:cBhvr>
+                                    </p:animEffect>
+                                  </p:childTnLst>
+                                </p:cTn>
+                              </p:par>
+                            </p:childTnLst>
+                          </p:cTn>
+                        </p:par>
+                      </p:childTnLst>
+                    </p:cTn>
+                  </p:par>
+                </p:childTnLst>
+              </p:cTn>
+              <p:prevCondLst>
+                <p:cond evt="onPrev" delay="0">
+                  <p:tgtEl>
+                    <p:sldTgt/>
+                  </p:tgtEl>
+                </p:cond>
+              </p:prevCondLst>
+              <p:nextCondLst>
+                <p:cond evt="onNext" delay="0">
+                  <p:tgtEl>
+                    <p:sldTgt/>
+                  </p:tgtEl>
+                </p:cond>
+              </p:nextCondLst>
+            </p:seq>
+          </p:childTnLst>
+        </p:cTn>
+      </p:par>
+    </p:tnLst>
+  </p:timing>
 </p:sld>
 </file>
 
@@ -6128,6 +6665,205 @@
   <p:clrMapOvr>
     <a:masterClrMapping/>
   </p:clrMapOvr>
+  <mc:AlternateContent xmlns:mc="http://schemas.openxmlformats.org/markup-compatibility/2006">
+    <mc:Choice xmlns:p14="http://schemas.microsoft.com/office/powerpoint/2010/main" Requires="p14">
+      <p:transition spd="med" p14:dur="700">
+        <p:fade/>
+      </p:transition>
+    </mc:Choice>
+    <mc:Fallback>
+      <p:transition spd="med">
+        <p:fade/>
+      </p:transition>
+    </mc:Fallback>
+  </mc:AlternateContent>
+  <p:timing>
+    <p:tnLst>
+      <p:par>
+        <p:cTn id="1" dur="indefinite" restart="never" nodeType="tmRoot">
+          <p:childTnLst>
+            <p:seq concurrent="1" nextAc="seek">
+              <p:cTn id="2" dur="indefinite" nodeType="mainSeq">
+                <p:childTnLst>
+                  <p:par>
+                    <p:cTn id="3" fill="hold">
+                      <p:stCondLst>
+                        <p:cond delay="indefinite"/>
+                      </p:stCondLst>
+                      <p:childTnLst>
+                        <p:par>
+                          <p:cTn id="4" fill="hold">
+                            <p:stCondLst>
+                              <p:cond delay="0"/>
+                            </p:stCondLst>
+                            <p:childTnLst>
+                              <p:par>
+                                <p:cTn id="5" presetID="10" presetClass="entr" presetSubtype="0" fill="hold" nodeType="clickEffect">
+                                  <p:stCondLst>
+                                    <p:cond delay="0"/>
+                                  </p:stCondLst>
+                                  <p:childTnLst>
+                                    <p:set>
+                                      <p:cBhvr>
+                                        <p:cTn id="6" dur="1" fill="hold">
+                                          <p:stCondLst>
+                                            <p:cond delay="0"/>
+                                          </p:stCondLst>
+                                        </p:cTn>
+                                        <p:tgtEl>
+                                          <p:spTgt spid="2050"/>
+                                        </p:tgtEl>
+                                        <p:attrNameLst>
+                                          <p:attrName>style.visibility</p:attrName>
+                                        </p:attrNameLst>
+                                      </p:cBhvr>
+                                      <p:to>
+                                        <p:strVal val="visible"/>
+                                      </p:to>
+                                    </p:set>
+                                    <p:animEffect transition="in" filter="fade">
+                                      <p:cBhvr>
+                                        <p:cTn id="7" dur="500"/>
+                                        <p:tgtEl>
+                                          <p:spTgt spid="2050"/>
+                                        </p:tgtEl>
+                                      </p:cBhvr>
+                                    </p:animEffect>
+                                  </p:childTnLst>
+                                </p:cTn>
+                              </p:par>
+                            </p:childTnLst>
+                          </p:cTn>
+                        </p:par>
+                      </p:childTnLst>
+                    </p:cTn>
+                  </p:par>
+                  <p:par>
+                    <p:cTn id="8" fill="hold">
+                      <p:stCondLst>
+                        <p:cond delay="indefinite"/>
+                      </p:stCondLst>
+                      <p:childTnLst>
+                        <p:par>
+                          <p:cTn id="9" fill="hold">
+                            <p:stCondLst>
+                              <p:cond delay="0"/>
+                            </p:stCondLst>
+                            <p:childTnLst>
+                              <p:par>
+                                <p:cTn id="10" presetID="10" presetClass="entr" presetSubtype="0" fill="hold" nodeType="clickEffect">
+                                  <p:stCondLst>
+                                    <p:cond delay="0"/>
+                                  </p:stCondLst>
+                                  <p:childTnLst>
+                                    <p:set>
+                                      <p:cBhvr>
+                                        <p:cTn id="11" dur="1" fill="hold">
+                                          <p:stCondLst>
+                                            <p:cond delay="0"/>
+                                          </p:stCondLst>
+                                        </p:cTn>
+                                        <p:tgtEl>
+                                          <p:spTgt spid="2">
+                                            <p:txEl>
+                                              <p:pRg st="0" end="0"/>
+                                            </p:txEl>
+                                          </p:spTgt>
+                                        </p:tgtEl>
+                                        <p:attrNameLst>
+                                          <p:attrName>style.visibility</p:attrName>
+                                        </p:attrNameLst>
+                                      </p:cBhvr>
+                                      <p:to>
+                                        <p:strVal val="visible"/>
+                                      </p:to>
+                                    </p:set>
+                                    <p:animEffect transition="in" filter="fade">
+                                      <p:cBhvr>
+                                        <p:cTn id="12" dur="500"/>
+                                        <p:tgtEl>
+                                          <p:spTgt spid="2">
+                                            <p:txEl>
+                                              <p:pRg st="0" end="0"/>
+                                            </p:txEl>
+                                          </p:spTgt>
+                                        </p:tgtEl>
+                                      </p:cBhvr>
+                                    </p:animEffect>
+                                  </p:childTnLst>
+                                </p:cTn>
+                              </p:par>
+                              <p:par>
+                                <p:cTn id="13" presetID="10" presetClass="entr" presetSubtype="0" fill="hold" nodeType="withEffect">
+                                  <p:stCondLst>
+                                    <p:cond delay="0"/>
+                                  </p:stCondLst>
+                                  <p:childTnLst>
+                                    <p:set>
+                                      <p:cBhvr>
+                                        <p:cTn id="14" dur="1" fill="hold">
+                                          <p:stCondLst>
+                                            <p:cond delay="0"/>
+                                          </p:stCondLst>
+                                        </p:cTn>
+                                        <p:tgtEl>
+                                          <p:spTgt spid="2">
+                                            <p:txEl>
+                                              <p:pRg st="1" end="1"/>
+                                            </p:txEl>
+                                          </p:spTgt>
+                                        </p:tgtEl>
+                                        <p:attrNameLst>
+                                          <p:attrName>style.visibility</p:attrName>
+                                        </p:attrNameLst>
+                                      </p:cBhvr>
+                                      <p:to>
+                                        <p:strVal val="visible"/>
+                                      </p:to>
+                                    </p:set>
+                                    <p:animEffect transition="in" filter="fade">
+                                      <p:cBhvr>
+                                        <p:cTn id="15" dur="500"/>
+                                        <p:tgtEl>
+                                          <p:spTgt spid="2">
+                                            <p:txEl>
+                                              <p:pRg st="1" end="1"/>
+                                            </p:txEl>
+                                          </p:spTgt>
+                                        </p:tgtEl>
+                                      </p:cBhvr>
+                                    </p:animEffect>
+                                  </p:childTnLst>
+                                </p:cTn>
+                              </p:par>
+                            </p:childTnLst>
+                          </p:cTn>
+                        </p:par>
+                      </p:childTnLst>
+                    </p:cTn>
+                  </p:par>
+                </p:childTnLst>
+              </p:cTn>
+              <p:prevCondLst>
+                <p:cond evt="onPrev" delay="0">
+                  <p:tgtEl>
+                    <p:sldTgt/>
+                  </p:tgtEl>
+                </p:cond>
+              </p:prevCondLst>
+              <p:nextCondLst>
+                <p:cond evt="onNext" delay="0">
+                  <p:tgtEl>
+                    <p:sldTgt/>
+                  </p:tgtEl>
+                </p:cond>
+              </p:nextCondLst>
+            </p:seq>
+          </p:childTnLst>
+        </p:cTn>
+      </p:par>
+    </p:tnLst>
+  </p:timing>
 </p:sld>
 </file>
 
@@ -6306,6 +7042,157 @@
   <p:clrMapOvr>
     <a:masterClrMapping/>
   </p:clrMapOvr>
+  <mc:AlternateContent xmlns:mc="http://schemas.openxmlformats.org/markup-compatibility/2006">
+    <mc:Choice xmlns:p14="http://schemas.microsoft.com/office/powerpoint/2010/main" Requires="p14">
+      <p:transition spd="med" p14:dur="700">
+        <p:fade/>
+      </p:transition>
+    </mc:Choice>
+    <mc:Fallback>
+      <p:transition spd="med">
+        <p:fade/>
+      </p:transition>
+    </mc:Fallback>
+  </mc:AlternateContent>
+  <p:timing>
+    <p:tnLst>
+      <p:par>
+        <p:cTn id="1" dur="indefinite" restart="never" nodeType="tmRoot">
+          <p:childTnLst>
+            <p:seq concurrent="1" nextAc="seek">
+              <p:cTn id="2" dur="indefinite" nodeType="mainSeq">
+                <p:childTnLst>
+                  <p:par>
+                    <p:cTn id="3" fill="hold">
+                      <p:stCondLst>
+                        <p:cond delay="indefinite"/>
+                      </p:stCondLst>
+                      <p:childTnLst>
+                        <p:par>
+                          <p:cTn id="4" fill="hold">
+                            <p:stCondLst>
+                              <p:cond delay="0"/>
+                            </p:stCondLst>
+                            <p:childTnLst>
+                              <p:par>
+                                <p:cTn id="5" presetID="10" presetClass="entr" presetSubtype="0" fill="hold" nodeType="clickEffect">
+                                  <p:stCondLst>
+                                    <p:cond delay="0"/>
+                                  </p:stCondLst>
+                                  <p:childTnLst>
+                                    <p:set>
+                                      <p:cBhvr>
+                                        <p:cTn id="6" dur="1" fill="hold">
+                                          <p:stCondLst>
+                                            <p:cond delay="0"/>
+                                          </p:stCondLst>
+                                        </p:cTn>
+                                        <p:tgtEl>
+                                          <p:spTgt spid="2050"/>
+                                        </p:tgtEl>
+                                        <p:attrNameLst>
+                                          <p:attrName>style.visibility</p:attrName>
+                                        </p:attrNameLst>
+                                      </p:cBhvr>
+                                      <p:to>
+                                        <p:strVal val="visible"/>
+                                      </p:to>
+                                    </p:set>
+                                    <p:animEffect transition="in" filter="fade">
+                                      <p:cBhvr>
+                                        <p:cTn id="7" dur="500"/>
+                                        <p:tgtEl>
+                                          <p:spTgt spid="2050"/>
+                                        </p:tgtEl>
+                                      </p:cBhvr>
+                                    </p:animEffect>
+                                  </p:childTnLst>
+                                </p:cTn>
+                              </p:par>
+                            </p:childTnLst>
+                          </p:cTn>
+                        </p:par>
+                      </p:childTnLst>
+                    </p:cTn>
+                  </p:par>
+                  <p:par>
+                    <p:cTn id="8" fill="hold">
+                      <p:stCondLst>
+                        <p:cond delay="indefinite"/>
+                      </p:stCondLst>
+                      <p:childTnLst>
+                        <p:par>
+                          <p:cTn id="9" fill="hold">
+                            <p:stCondLst>
+                              <p:cond delay="0"/>
+                            </p:stCondLst>
+                            <p:childTnLst>
+                              <p:par>
+                                <p:cTn id="10" presetID="10" presetClass="entr" presetSubtype="0" fill="hold" grpId="0" nodeType="clickEffect">
+                                  <p:stCondLst>
+                                    <p:cond delay="0"/>
+                                  </p:stCondLst>
+                                  <p:childTnLst>
+                                    <p:set>
+                                      <p:cBhvr>
+                                        <p:cTn id="11" dur="1" fill="hold">
+                                          <p:stCondLst>
+                                            <p:cond delay="0"/>
+                                          </p:stCondLst>
+                                        </p:cTn>
+                                        <p:tgtEl>
+                                          <p:spTgt spid="2"/>
+                                        </p:tgtEl>
+                                        <p:attrNameLst>
+                                          <p:attrName>style.visibility</p:attrName>
+                                        </p:attrNameLst>
+                                      </p:cBhvr>
+                                      <p:to>
+                                        <p:strVal val="visible"/>
+                                      </p:to>
+                                    </p:set>
+                                    <p:animEffect transition="in" filter="fade">
+                                      <p:cBhvr>
+                                        <p:cTn id="12" dur="500"/>
+                                        <p:tgtEl>
+                                          <p:spTgt spid="2"/>
+                                        </p:tgtEl>
+                                      </p:cBhvr>
+                                    </p:animEffect>
+                                  </p:childTnLst>
+                                </p:cTn>
+                              </p:par>
+                            </p:childTnLst>
+                          </p:cTn>
+                        </p:par>
+                      </p:childTnLst>
+                    </p:cTn>
+                  </p:par>
+                </p:childTnLst>
+              </p:cTn>
+              <p:prevCondLst>
+                <p:cond evt="onPrev" delay="0">
+                  <p:tgtEl>
+                    <p:sldTgt/>
+                  </p:tgtEl>
+                </p:cond>
+              </p:prevCondLst>
+              <p:nextCondLst>
+                <p:cond evt="onNext" delay="0">
+                  <p:tgtEl>
+                    <p:sldTgt/>
+                  </p:tgtEl>
+                </p:cond>
+              </p:nextCondLst>
+            </p:seq>
+          </p:childTnLst>
+        </p:cTn>
+      </p:par>
+    </p:tnLst>
+    <p:bldLst>
+      <p:bldP spid="2" grpId="0"/>
+    </p:bldLst>
+  </p:timing>
 </p:sld>
 </file>
 
@@ -6340,7 +7227,7 @@
         </p:nvSpPr>
         <p:spPr>
           <a:xfrm>
-            <a:off x="536076" y="1308669"/>
+            <a:off x="447472" y="1259175"/>
             <a:ext cx="11297056" cy="4339650"/>
           </a:xfrm>
           <a:prstGeom prst="rect">
@@ -6356,7 +7243,7 @@
           <a:p>
             <a:pPr algn="ctr"/>
             <a:r>
-              <a:rPr lang="km-KH" sz="13800" b="1">
+              <a:rPr lang="km-KH" sz="13800" b="1" dirty="0">
                 <a:solidFill>
                   <a:srgbClr val="002060"/>
                 </a:solidFill>
@@ -6365,7 +7252,7 @@
               </a:rPr>
               <a:t>ជួបគ្នាសប្ដាហ៍ក្រោយ!</a:t>
             </a:r>
-            <a:endParaRPr lang="en-US" sz="13800" b="1">
+            <a:endParaRPr lang="en-US" sz="13800" b="1" dirty="0">
               <a:solidFill>
                 <a:srgbClr val="002060"/>
               </a:solidFill>
@@ -6385,6 +7272,109 @@
   <p:clrMapOvr>
     <a:masterClrMapping/>
   </p:clrMapOvr>
+  <mc:AlternateContent xmlns:mc="http://schemas.openxmlformats.org/markup-compatibility/2006">
+    <mc:Choice xmlns:p14="http://schemas.microsoft.com/office/powerpoint/2010/main" Requires="p14">
+      <p:transition spd="med" p14:dur="700">
+        <p:fade/>
+      </p:transition>
+    </mc:Choice>
+    <mc:Fallback>
+      <p:transition spd="med">
+        <p:fade/>
+      </p:transition>
+    </mc:Fallback>
+  </mc:AlternateContent>
+  <p:timing>
+    <p:tnLst>
+      <p:par>
+        <p:cTn id="1" dur="indefinite" restart="never" nodeType="tmRoot">
+          <p:childTnLst>
+            <p:seq concurrent="1" nextAc="seek">
+              <p:cTn id="2" dur="indefinite" nodeType="mainSeq">
+                <p:childTnLst>
+                  <p:par>
+                    <p:cTn id="3" fill="hold">
+                      <p:stCondLst>
+                        <p:cond delay="indefinite"/>
+                      </p:stCondLst>
+                      <p:childTnLst>
+                        <p:par>
+                          <p:cTn id="4" fill="hold">
+                            <p:stCondLst>
+                              <p:cond delay="0"/>
+                            </p:stCondLst>
+                            <p:childTnLst>
+                              <p:par>
+                                <p:cTn id="5" presetID="10" presetClass="entr" presetSubtype="0" fill="hold" nodeType="clickEffect">
+                                  <p:stCondLst>
+                                    <p:cond delay="0"/>
+                                  </p:stCondLst>
+                                  <p:childTnLst>
+                                    <p:set>
+                                      <p:cBhvr>
+                                        <p:cTn id="6" dur="1" fill="hold">
+                                          <p:stCondLst>
+                                            <p:cond delay="0"/>
+                                          </p:stCondLst>
+                                        </p:cTn>
+                                        <p:tgtEl>
+                                          <p:spTgt spid="3">
+                                            <p:txEl>
+                                              <p:pRg st="0" end="0"/>
+                                            </p:txEl>
+                                          </p:spTgt>
+                                        </p:tgtEl>
+                                        <p:attrNameLst>
+                                          <p:attrName>style.visibility</p:attrName>
+                                        </p:attrNameLst>
+                                      </p:cBhvr>
+                                      <p:to>
+                                        <p:strVal val="visible"/>
+                                      </p:to>
+                                    </p:set>
+                                    <p:animEffect transition="in" filter="fade">
+                                      <p:cBhvr>
+                                        <p:cTn id="7" dur="500"/>
+                                        <p:tgtEl>
+                                          <p:spTgt spid="3">
+                                            <p:txEl>
+                                              <p:pRg st="0" end="0"/>
+                                            </p:txEl>
+                                          </p:spTgt>
+                                        </p:tgtEl>
+                                      </p:cBhvr>
+                                    </p:animEffect>
+                                  </p:childTnLst>
+                                </p:cTn>
+                              </p:par>
+                            </p:childTnLst>
+                          </p:cTn>
+                        </p:par>
+                      </p:childTnLst>
+                    </p:cTn>
+                  </p:par>
+                </p:childTnLst>
+              </p:cTn>
+              <p:prevCondLst>
+                <p:cond evt="onPrev" delay="0">
+                  <p:tgtEl>
+                    <p:sldTgt/>
+                  </p:tgtEl>
+                </p:cond>
+              </p:prevCondLst>
+              <p:nextCondLst>
+                <p:cond evt="onNext" delay="0">
+                  <p:tgtEl>
+                    <p:sldTgt/>
+                  </p:tgtEl>
+                </p:cond>
+              </p:nextCondLst>
+            </p:seq>
+          </p:childTnLst>
+        </p:cTn>
+      </p:par>
+    </p:tnLst>
+  </p:timing>
 </p:sld>
 </file>
 
@@ -6435,7 +7425,7 @@
           <a:p>
             <a:pPr algn="ctr"/>
             <a:r>
-              <a:rPr lang="en-US" sz="8000" b="1">
+              <a:rPr lang="en-US" sz="8000" b="1" dirty="0">
                 <a:solidFill>
                   <a:srgbClr val="002060"/>
                 </a:solidFill>
@@ -6445,14 +7435,6 @@
               </a:rPr>
               <a:t>React Framework</a:t>
             </a:r>
-            <a:endParaRPr lang="en-US" sz="8000" b="1" dirty="0">
-              <a:solidFill>
-                <a:srgbClr val="002060"/>
-              </a:solidFill>
-              <a:latin typeface="Khmer OS Battambang" panose="02000500000000020004" pitchFamily="2" charset="0"/>
-              <a:ea typeface="Cascadia Code SemiBold" panose="020B0609020000020004" pitchFamily="49" charset="0"/>
-              <a:cs typeface="Khmer OS Battambang" panose="02000500000000020004" pitchFamily="2" charset="0"/>
-            </a:endParaRPr>
           </a:p>
         </p:txBody>
       </p:sp>
@@ -6513,6 +7495,157 @@
   <p:clrMapOvr>
     <a:masterClrMapping/>
   </p:clrMapOvr>
+  <mc:AlternateContent xmlns:mc="http://schemas.openxmlformats.org/markup-compatibility/2006">
+    <mc:Choice xmlns:p14="http://schemas.microsoft.com/office/powerpoint/2010/main" Requires="p14">
+      <p:transition spd="med" p14:dur="700">
+        <p:fade/>
+      </p:transition>
+    </mc:Choice>
+    <mc:Fallback>
+      <p:transition spd="med">
+        <p:fade/>
+      </p:transition>
+    </mc:Fallback>
+  </mc:AlternateContent>
+  <p:timing>
+    <p:tnLst>
+      <p:par>
+        <p:cTn id="1" dur="indefinite" restart="never" nodeType="tmRoot">
+          <p:childTnLst>
+            <p:seq concurrent="1" nextAc="seek">
+              <p:cTn id="2" dur="indefinite" nodeType="mainSeq">
+                <p:childTnLst>
+                  <p:par>
+                    <p:cTn id="3" fill="hold">
+                      <p:stCondLst>
+                        <p:cond delay="indefinite"/>
+                      </p:stCondLst>
+                      <p:childTnLst>
+                        <p:par>
+                          <p:cTn id="4" fill="hold">
+                            <p:stCondLst>
+                              <p:cond delay="0"/>
+                            </p:stCondLst>
+                            <p:childTnLst>
+                              <p:par>
+                                <p:cTn id="5" presetID="10" presetClass="entr" presetSubtype="0" fill="hold" nodeType="clickEffect">
+                                  <p:stCondLst>
+                                    <p:cond delay="0"/>
+                                  </p:stCondLst>
+                                  <p:childTnLst>
+                                    <p:set>
+                                      <p:cBhvr>
+                                        <p:cTn id="6" dur="1" fill="hold">
+                                          <p:stCondLst>
+                                            <p:cond delay="0"/>
+                                          </p:stCondLst>
+                                        </p:cTn>
+                                        <p:tgtEl>
+                                          <p:spTgt spid="1026"/>
+                                        </p:tgtEl>
+                                        <p:attrNameLst>
+                                          <p:attrName>style.visibility</p:attrName>
+                                        </p:attrNameLst>
+                                      </p:cBhvr>
+                                      <p:to>
+                                        <p:strVal val="visible"/>
+                                      </p:to>
+                                    </p:set>
+                                    <p:animEffect transition="in" filter="fade">
+                                      <p:cBhvr>
+                                        <p:cTn id="7" dur="500"/>
+                                        <p:tgtEl>
+                                          <p:spTgt spid="1026"/>
+                                        </p:tgtEl>
+                                      </p:cBhvr>
+                                    </p:animEffect>
+                                  </p:childTnLst>
+                                </p:cTn>
+                              </p:par>
+                            </p:childTnLst>
+                          </p:cTn>
+                        </p:par>
+                      </p:childTnLst>
+                    </p:cTn>
+                  </p:par>
+                  <p:par>
+                    <p:cTn id="8" fill="hold">
+                      <p:stCondLst>
+                        <p:cond delay="indefinite"/>
+                      </p:stCondLst>
+                      <p:childTnLst>
+                        <p:par>
+                          <p:cTn id="9" fill="hold">
+                            <p:stCondLst>
+                              <p:cond delay="0"/>
+                            </p:stCondLst>
+                            <p:childTnLst>
+                              <p:par>
+                                <p:cTn id="10" presetID="10" presetClass="entr" presetSubtype="0" fill="hold" grpId="0" nodeType="clickEffect">
+                                  <p:stCondLst>
+                                    <p:cond delay="0"/>
+                                  </p:stCondLst>
+                                  <p:childTnLst>
+                                    <p:set>
+                                      <p:cBhvr>
+                                        <p:cTn id="11" dur="1" fill="hold">
+                                          <p:stCondLst>
+                                            <p:cond delay="0"/>
+                                          </p:stCondLst>
+                                        </p:cTn>
+                                        <p:tgtEl>
+                                          <p:spTgt spid="2"/>
+                                        </p:tgtEl>
+                                        <p:attrNameLst>
+                                          <p:attrName>style.visibility</p:attrName>
+                                        </p:attrNameLst>
+                                      </p:cBhvr>
+                                      <p:to>
+                                        <p:strVal val="visible"/>
+                                      </p:to>
+                                    </p:set>
+                                    <p:animEffect transition="in" filter="fade">
+                                      <p:cBhvr>
+                                        <p:cTn id="12" dur="500"/>
+                                        <p:tgtEl>
+                                          <p:spTgt spid="2"/>
+                                        </p:tgtEl>
+                                      </p:cBhvr>
+                                    </p:animEffect>
+                                  </p:childTnLst>
+                                </p:cTn>
+                              </p:par>
+                            </p:childTnLst>
+                          </p:cTn>
+                        </p:par>
+                      </p:childTnLst>
+                    </p:cTn>
+                  </p:par>
+                </p:childTnLst>
+              </p:cTn>
+              <p:prevCondLst>
+                <p:cond evt="onPrev" delay="0">
+                  <p:tgtEl>
+                    <p:sldTgt/>
+                  </p:tgtEl>
+                </p:cond>
+              </p:prevCondLst>
+              <p:nextCondLst>
+                <p:cond evt="onNext" delay="0">
+                  <p:tgtEl>
+                    <p:sldTgt/>
+                  </p:tgtEl>
+                </p:cond>
+              </p:nextCondLst>
+            </p:seq>
+          </p:childTnLst>
+        </p:cTn>
+      </p:par>
+    </p:tnLst>
+    <p:bldLst>
+      <p:bldP spid="2" grpId="0"/>
+    </p:bldLst>
+  </p:timing>
 </p:sld>
 </file>
 
@@ -6642,6 +7775,157 @@
   <p:clrMapOvr>
     <a:masterClrMapping/>
   </p:clrMapOvr>
+  <mc:AlternateContent xmlns:mc="http://schemas.openxmlformats.org/markup-compatibility/2006">
+    <mc:Choice xmlns:p14="http://schemas.microsoft.com/office/powerpoint/2010/main" Requires="p14">
+      <p:transition spd="med" p14:dur="700">
+        <p:fade/>
+      </p:transition>
+    </mc:Choice>
+    <mc:Fallback>
+      <p:transition spd="med">
+        <p:fade/>
+      </p:transition>
+    </mc:Fallback>
+  </mc:AlternateContent>
+  <p:timing>
+    <p:tnLst>
+      <p:par>
+        <p:cTn id="1" dur="indefinite" restart="never" nodeType="tmRoot">
+          <p:childTnLst>
+            <p:seq concurrent="1" nextAc="seek">
+              <p:cTn id="2" dur="indefinite" nodeType="mainSeq">
+                <p:childTnLst>
+                  <p:par>
+                    <p:cTn id="3" fill="hold">
+                      <p:stCondLst>
+                        <p:cond delay="indefinite"/>
+                      </p:stCondLst>
+                      <p:childTnLst>
+                        <p:par>
+                          <p:cTn id="4" fill="hold">
+                            <p:stCondLst>
+                              <p:cond delay="0"/>
+                            </p:stCondLst>
+                            <p:childTnLst>
+                              <p:par>
+                                <p:cTn id="5" presetID="10" presetClass="entr" presetSubtype="0" fill="hold" nodeType="clickEffect">
+                                  <p:stCondLst>
+                                    <p:cond delay="0"/>
+                                  </p:stCondLst>
+                                  <p:childTnLst>
+                                    <p:set>
+                                      <p:cBhvr>
+                                        <p:cTn id="6" dur="1" fill="hold">
+                                          <p:stCondLst>
+                                            <p:cond delay="0"/>
+                                          </p:stCondLst>
+                                        </p:cTn>
+                                        <p:tgtEl>
+                                          <p:spTgt spid="2050"/>
+                                        </p:tgtEl>
+                                        <p:attrNameLst>
+                                          <p:attrName>style.visibility</p:attrName>
+                                        </p:attrNameLst>
+                                      </p:cBhvr>
+                                      <p:to>
+                                        <p:strVal val="visible"/>
+                                      </p:to>
+                                    </p:set>
+                                    <p:animEffect transition="in" filter="fade">
+                                      <p:cBhvr>
+                                        <p:cTn id="7" dur="500"/>
+                                        <p:tgtEl>
+                                          <p:spTgt spid="2050"/>
+                                        </p:tgtEl>
+                                      </p:cBhvr>
+                                    </p:animEffect>
+                                  </p:childTnLst>
+                                </p:cTn>
+                              </p:par>
+                            </p:childTnLst>
+                          </p:cTn>
+                        </p:par>
+                      </p:childTnLst>
+                    </p:cTn>
+                  </p:par>
+                  <p:par>
+                    <p:cTn id="8" fill="hold">
+                      <p:stCondLst>
+                        <p:cond delay="indefinite"/>
+                      </p:stCondLst>
+                      <p:childTnLst>
+                        <p:par>
+                          <p:cTn id="9" fill="hold">
+                            <p:stCondLst>
+                              <p:cond delay="0"/>
+                            </p:stCondLst>
+                            <p:childTnLst>
+                              <p:par>
+                                <p:cTn id="10" presetID="10" presetClass="entr" presetSubtype="0" fill="hold" grpId="0" nodeType="clickEffect">
+                                  <p:stCondLst>
+                                    <p:cond delay="0"/>
+                                  </p:stCondLst>
+                                  <p:childTnLst>
+                                    <p:set>
+                                      <p:cBhvr>
+                                        <p:cTn id="11" dur="1" fill="hold">
+                                          <p:stCondLst>
+                                            <p:cond delay="0"/>
+                                          </p:stCondLst>
+                                        </p:cTn>
+                                        <p:tgtEl>
+                                          <p:spTgt spid="4"/>
+                                        </p:tgtEl>
+                                        <p:attrNameLst>
+                                          <p:attrName>style.visibility</p:attrName>
+                                        </p:attrNameLst>
+                                      </p:cBhvr>
+                                      <p:to>
+                                        <p:strVal val="visible"/>
+                                      </p:to>
+                                    </p:set>
+                                    <p:animEffect transition="in" filter="fade">
+                                      <p:cBhvr>
+                                        <p:cTn id="12" dur="500"/>
+                                        <p:tgtEl>
+                                          <p:spTgt spid="4"/>
+                                        </p:tgtEl>
+                                      </p:cBhvr>
+                                    </p:animEffect>
+                                  </p:childTnLst>
+                                </p:cTn>
+                              </p:par>
+                            </p:childTnLst>
+                          </p:cTn>
+                        </p:par>
+                      </p:childTnLst>
+                    </p:cTn>
+                  </p:par>
+                </p:childTnLst>
+              </p:cTn>
+              <p:prevCondLst>
+                <p:cond evt="onPrev" delay="0">
+                  <p:tgtEl>
+                    <p:sldTgt/>
+                  </p:tgtEl>
+                </p:cond>
+              </p:prevCondLst>
+              <p:nextCondLst>
+                <p:cond evt="onNext" delay="0">
+                  <p:tgtEl>
+                    <p:sldTgt/>
+                  </p:tgtEl>
+                </p:cond>
+              </p:nextCondLst>
+            </p:seq>
+          </p:childTnLst>
+        </p:cTn>
+      </p:par>
+    </p:tnLst>
+    <p:bldLst>
+      <p:bldP spid="4" grpId="0"/>
+    </p:bldLst>
+  </p:timing>
 </p:sld>
 </file>
 
@@ -6838,6 +8122,145 @@
   <p:clrMapOvr>
     <a:masterClrMapping/>
   </p:clrMapOvr>
+  <p:timing>
+    <p:tnLst>
+      <p:par>
+        <p:cTn id="1" dur="indefinite" restart="never" nodeType="tmRoot">
+          <p:childTnLst>
+            <p:seq concurrent="1" nextAc="seek">
+              <p:cTn id="2" dur="indefinite" nodeType="mainSeq">
+                <p:childTnLst>
+                  <p:par>
+                    <p:cTn id="3" fill="hold">
+                      <p:stCondLst>
+                        <p:cond delay="indefinite"/>
+                      </p:stCondLst>
+                      <p:childTnLst>
+                        <p:par>
+                          <p:cTn id="4" fill="hold">
+                            <p:stCondLst>
+                              <p:cond delay="0"/>
+                            </p:stCondLst>
+                            <p:childTnLst>
+                              <p:par>
+                                <p:cTn id="5" presetID="10" presetClass="entr" presetSubtype="0" fill="hold" nodeType="clickEffect">
+                                  <p:stCondLst>
+                                    <p:cond delay="0"/>
+                                  </p:stCondLst>
+                                  <p:childTnLst>
+                                    <p:set>
+                                      <p:cBhvr>
+                                        <p:cTn id="6" dur="1" fill="hold">
+                                          <p:stCondLst>
+                                            <p:cond delay="0"/>
+                                          </p:stCondLst>
+                                        </p:cTn>
+                                        <p:tgtEl>
+                                          <p:spTgt spid="2050"/>
+                                        </p:tgtEl>
+                                        <p:attrNameLst>
+                                          <p:attrName>style.visibility</p:attrName>
+                                        </p:attrNameLst>
+                                      </p:cBhvr>
+                                      <p:to>
+                                        <p:strVal val="visible"/>
+                                      </p:to>
+                                    </p:set>
+                                    <p:animEffect transition="in" filter="fade">
+                                      <p:cBhvr>
+                                        <p:cTn id="7" dur="500"/>
+                                        <p:tgtEl>
+                                          <p:spTgt spid="2050"/>
+                                        </p:tgtEl>
+                                      </p:cBhvr>
+                                    </p:animEffect>
+                                  </p:childTnLst>
+                                </p:cTn>
+                              </p:par>
+                            </p:childTnLst>
+                          </p:cTn>
+                        </p:par>
+                      </p:childTnLst>
+                    </p:cTn>
+                  </p:par>
+                  <p:par>
+                    <p:cTn id="8" fill="hold">
+                      <p:stCondLst>
+                        <p:cond delay="indefinite"/>
+                      </p:stCondLst>
+                      <p:childTnLst>
+                        <p:par>
+                          <p:cTn id="9" fill="hold">
+                            <p:stCondLst>
+                              <p:cond delay="0"/>
+                            </p:stCondLst>
+                            <p:childTnLst>
+                              <p:par>
+                                <p:cTn id="10" presetID="10" presetClass="entr" presetSubtype="0" fill="hold" grpId="0" nodeType="clickEffect">
+                                  <p:stCondLst>
+                                    <p:cond delay="0"/>
+                                  </p:stCondLst>
+                                  <p:childTnLst>
+                                    <p:set>
+                                      <p:cBhvr>
+                                        <p:cTn id="11" dur="1" fill="hold">
+                                          <p:stCondLst>
+                                            <p:cond delay="0"/>
+                                          </p:stCondLst>
+                                        </p:cTn>
+                                        <p:tgtEl>
+                                          <p:spTgt spid="4"/>
+                                        </p:tgtEl>
+                                        <p:attrNameLst>
+                                          <p:attrName>style.visibility</p:attrName>
+                                        </p:attrNameLst>
+                                      </p:cBhvr>
+                                      <p:to>
+                                        <p:strVal val="visible"/>
+                                      </p:to>
+                                    </p:set>
+                                    <p:animEffect transition="in" filter="fade">
+                                      <p:cBhvr>
+                                        <p:cTn id="12" dur="500"/>
+                                        <p:tgtEl>
+                                          <p:spTgt spid="4"/>
+                                        </p:tgtEl>
+                                      </p:cBhvr>
+                                    </p:animEffect>
+                                  </p:childTnLst>
+                                </p:cTn>
+                              </p:par>
+                            </p:childTnLst>
+                          </p:cTn>
+                        </p:par>
+                      </p:childTnLst>
+                    </p:cTn>
+                  </p:par>
+                </p:childTnLst>
+              </p:cTn>
+              <p:prevCondLst>
+                <p:cond evt="onPrev" delay="0">
+                  <p:tgtEl>
+                    <p:sldTgt/>
+                  </p:tgtEl>
+                </p:cond>
+              </p:prevCondLst>
+              <p:nextCondLst>
+                <p:cond evt="onNext" delay="0">
+                  <p:tgtEl>
+                    <p:sldTgt/>
+                  </p:tgtEl>
+                </p:cond>
+              </p:nextCondLst>
+            </p:seq>
+          </p:childTnLst>
+        </p:cTn>
+      </p:par>
+    </p:tnLst>
+    <p:bldLst>
+      <p:bldP spid="4" grpId="0"/>
+    </p:bldLst>
+  </p:timing>
 </p:sld>
 </file>
 
@@ -6980,6 +8403,157 @@
   <p:clrMapOvr>
     <a:masterClrMapping/>
   </p:clrMapOvr>
+  <mc:AlternateContent xmlns:mc="http://schemas.openxmlformats.org/markup-compatibility/2006">
+    <mc:Choice xmlns:p14="http://schemas.microsoft.com/office/powerpoint/2010/main" Requires="p14">
+      <p:transition spd="med" p14:dur="700">
+        <p:fade/>
+      </p:transition>
+    </mc:Choice>
+    <mc:Fallback>
+      <p:transition spd="med">
+        <p:fade/>
+      </p:transition>
+    </mc:Fallback>
+  </mc:AlternateContent>
+  <p:timing>
+    <p:tnLst>
+      <p:par>
+        <p:cTn id="1" dur="indefinite" restart="never" nodeType="tmRoot">
+          <p:childTnLst>
+            <p:seq concurrent="1" nextAc="seek">
+              <p:cTn id="2" dur="indefinite" nodeType="mainSeq">
+                <p:childTnLst>
+                  <p:par>
+                    <p:cTn id="3" fill="hold">
+                      <p:stCondLst>
+                        <p:cond delay="indefinite"/>
+                      </p:stCondLst>
+                      <p:childTnLst>
+                        <p:par>
+                          <p:cTn id="4" fill="hold">
+                            <p:stCondLst>
+                              <p:cond delay="0"/>
+                            </p:stCondLst>
+                            <p:childTnLst>
+                              <p:par>
+                                <p:cTn id="5" presetID="10" presetClass="entr" presetSubtype="0" fill="hold" nodeType="clickEffect">
+                                  <p:stCondLst>
+                                    <p:cond delay="0"/>
+                                  </p:stCondLst>
+                                  <p:childTnLst>
+                                    <p:set>
+                                      <p:cBhvr>
+                                        <p:cTn id="6" dur="1" fill="hold">
+                                          <p:stCondLst>
+                                            <p:cond delay="0"/>
+                                          </p:stCondLst>
+                                        </p:cTn>
+                                        <p:tgtEl>
+                                          <p:spTgt spid="2050"/>
+                                        </p:tgtEl>
+                                        <p:attrNameLst>
+                                          <p:attrName>style.visibility</p:attrName>
+                                        </p:attrNameLst>
+                                      </p:cBhvr>
+                                      <p:to>
+                                        <p:strVal val="visible"/>
+                                      </p:to>
+                                    </p:set>
+                                    <p:animEffect transition="in" filter="fade">
+                                      <p:cBhvr>
+                                        <p:cTn id="7" dur="500"/>
+                                        <p:tgtEl>
+                                          <p:spTgt spid="2050"/>
+                                        </p:tgtEl>
+                                      </p:cBhvr>
+                                    </p:animEffect>
+                                  </p:childTnLst>
+                                </p:cTn>
+                              </p:par>
+                            </p:childTnLst>
+                          </p:cTn>
+                        </p:par>
+                      </p:childTnLst>
+                    </p:cTn>
+                  </p:par>
+                  <p:par>
+                    <p:cTn id="8" fill="hold">
+                      <p:stCondLst>
+                        <p:cond delay="indefinite"/>
+                      </p:stCondLst>
+                      <p:childTnLst>
+                        <p:par>
+                          <p:cTn id="9" fill="hold">
+                            <p:stCondLst>
+                              <p:cond delay="0"/>
+                            </p:stCondLst>
+                            <p:childTnLst>
+                              <p:par>
+                                <p:cTn id="10" presetID="10" presetClass="entr" presetSubtype="0" fill="hold" grpId="0" nodeType="clickEffect">
+                                  <p:stCondLst>
+                                    <p:cond delay="0"/>
+                                  </p:stCondLst>
+                                  <p:childTnLst>
+                                    <p:set>
+                                      <p:cBhvr>
+                                        <p:cTn id="11" dur="1" fill="hold">
+                                          <p:stCondLst>
+                                            <p:cond delay="0"/>
+                                          </p:stCondLst>
+                                        </p:cTn>
+                                        <p:tgtEl>
+                                          <p:spTgt spid="4"/>
+                                        </p:tgtEl>
+                                        <p:attrNameLst>
+                                          <p:attrName>style.visibility</p:attrName>
+                                        </p:attrNameLst>
+                                      </p:cBhvr>
+                                      <p:to>
+                                        <p:strVal val="visible"/>
+                                      </p:to>
+                                    </p:set>
+                                    <p:animEffect transition="in" filter="fade">
+                                      <p:cBhvr>
+                                        <p:cTn id="12" dur="500"/>
+                                        <p:tgtEl>
+                                          <p:spTgt spid="4"/>
+                                        </p:tgtEl>
+                                      </p:cBhvr>
+                                    </p:animEffect>
+                                  </p:childTnLst>
+                                </p:cTn>
+                              </p:par>
+                            </p:childTnLst>
+                          </p:cTn>
+                        </p:par>
+                      </p:childTnLst>
+                    </p:cTn>
+                  </p:par>
+                </p:childTnLst>
+              </p:cTn>
+              <p:prevCondLst>
+                <p:cond evt="onPrev" delay="0">
+                  <p:tgtEl>
+                    <p:sldTgt/>
+                  </p:tgtEl>
+                </p:cond>
+              </p:prevCondLst>
+              <p:nextCondLst>
+                <p:cond evt="onNext" delay="0">
+                  <p:tgtEl>
+                    <p:sldTgt/>
+                  </p:tgtEl>
+                </p:cond>
+              </p:nextCondLst>
+            </p:seq>
+          </p:childTnLst>
+        </p:cTn>
+      </p:par>
+    </p:tnLst>
+    <p:bldLst>
+      <p:bldP spid="4" grpId="0"/>
+    </p:bldLst>
+  </p:timing>
 </p:sld>
 </file>
 
@@ -7209,6 +8783,377 @@
   <p:clrMapOvr>
     <a:masterClrMapping/>
   </p:clrMapOvr>
+  <mc:AlternateContent xmlns:mc="http://schemas.openxmlformats.org/markup-compatibility/2006">
+    <mc:Choice xmlns:p14="http://schemas.microsoft.com/office/powerpoint/2010/main" Requires="p14">
+      <p:transition spd="med" p14:dur="700">
+        <p:fade/>
+      </p:transition>
+    </mc:Choice>
+    <mc:Fallback>
+      <p:transition spd="med">
+        <p:fade/>
+      </p:transition>
+    </mc:Fallback>
+  </mc:AlternateContent>
+  <p:timing>
+    <p:tnLst>
+      <p:par>
+        <p:cTn id="1" dur="indefinite" restart="never" nodeType="tmRoot">
+          <p:childTnLst>
+            <p:seq concurrent="1" nextAc="seek">
+              <p:cTn id="2" dur="indefinite" nodeType="mainSeq">
+                <p:childTnLst>
+                  <p:par>
+                    <p:cTn id="3" fill="hold">
+                      <p:stCondLst>
+                        <p:cond delay="indefinite"/>
+                      </p:stCondLst>
+                      <p:childTnLst>
+                        <p:par>
+                          <p:cTn id="4" fill="hold">
+                            <p:stCondLst>
+                              <p:cond delay="0"/>
+                            </p:stCondLst>
+                            <p:childTnLst>
+                              <p:par>
+                                <p:cTn id="5" presetID="10" presetClass="entr" presetSubtype="0" fill="hold" nodeType="clickEffect">
+                                  <p:stCondLst>
+                                    <p:cond delay="0"/>
+                                  </p:stCondLst>
+                                  <p:childTnLst>
+                                    <p:set>
+                                      <p:cBhvr>
+                                        <p:cTn id="6" dur="1" fill="hold">
+                                          <p:stCondLst>
+                                            <p:cond delay="0"/>
+                                          </p:stCondLst>
+                                        </p:cTn>
+                                        <p:tgtEl>
+                                          <p:spTgt spid="2050"/>
+                                        </p:tgtEl>
+                                        <p:attrNameLst>
+                                          <p:attrName>style.visibility</p:attrName>
+                                        </p:attrNameLst>
+                                      </p:cBhvr>
+                                      <p:to>
+                                        <p:strVal val="visible"/>
+                                      </p:to>
+                                    </p:set>
+                                    <p:animEffect transition="in" filter="fade">
+                                      <p:cBhvr>
+                                        <p:cTn id="7" dur="500"/>
+                                        <p:tgtEl>
+                                          <p:spTgt spid="2050"/>
+                                        </p:tgtEl>
+                                      </p:cBhvr>
+                                    </p:animEffect>
+                                  </p:childTnLst>
+                                </p:cTn>
+                              </p:par>
+                            </p:childTnLst>
+                          </p:cTn>
+                        </p:par>
+                      </p:childTnLst>
+                    </p:cTn>
+                  </p:par>
+                  <p:par>
+                    <p:cTn id="8" fill="hold">
+                      <p:stCondLst>
+                        <p:cond delay="indefinite"/>
+                      </p:stCondLst>
+                      <p:childTnLst>
+                        <p:par>
+                          <p:cTn id="9" fill="hold">
+                            <p:stCondLst>
+                              <p:cond delay="0"/>
+                            </p:stCondLst>
+                            <p:childTnLst>
+                              <p:par>
+                                <p:cTn id="10" presetID="10" presetClass="entr" presetSubtype="0" fill="hold" nodeType="clickEffect">
+                                  <p:stCondLst>
+                                    <p:cond delay="0"/>
+                                  </p:stCondLst>
+                                  <p:childTnLst>
+                                    <p:set>
+                                      <p:cBhvr>
+                                        <p:cTn id="11" dur="1" fill="hold">
+                                          <p:stCondLst>
+                                            <p:cond delay="0"/>
+                                          </p:stCondLst>
+                                        </p:cTn>
+                                        <p:tgtEl>
+                                          <p:spTgt spid="4">
+                                            <p:txEl>
+                                              <p:pRg st="0" end="0"/>
+                                            </p:txEl>
+                                          </p:spTgt>
+                                        </p:tgtEl>
+                                        <p:attrNameLst>
+                                          <p:attrName>style.visibility</p:attrName>
+                                        </p:attrNameLst>
+                                      </p:cBhvr>
+                                      <p:to>
+                                        <p:strVal val="visible"/>
+                                      </p:to>
+                                    </p:set>
+                                    <p:animEffect transition="in" filter="fade">
+                                      <p:cBhvr>
+                                        <p:cTn id="12" dur="500"/>
+                                        <p:tgtEl>
+                                          <p:spTgt spid="4">
+                                            <p:txEl>
+                                              <p:pRg st="0" end="0"/>
+                                            </p:txEl>
+                                          </p:spTgt>
+                                        </p:tgtEl>
+                                      </p:cBhvr>
+                                    </p:animEffect>
+                                  </p:childTnLst>
+                                </p:cTn>
+                              </p:par>
+                              <p:par>
+                                <p:cTn id="13" presetID="10" presetClass="entr" presetSubtype="0" fill="hold" nodeType="withEffect">
+                                  <p:stCondLst>
+                                    <p:cond delay="0"/>
+                                  </p:stCondLst>
+                                  <p:childTnLst>
+                                    <p:set>
+                                      <p:cBhvr>
+                                        <p:cTn id="14" dur="1" fill="hold">
+                                          <p:stCondLst>
+                                            <p:cond delay="0"/>
+                                          </p:stCondLst>
+                                        </p:cTn>
+                                        <p:tgtEl>
+                                          <p:spTgt spid="4">
+                                            <p:txEl>
+                                              <p:pRg st="2" end="2"/>
+                                            </p:txEl>
+                                          </p:spTgt>
+                                        </p:tgtEl>
+                                        <p:attrNameLst>
+                                          <p:attrName>style.visibility</p:attrName>
+                                        </p:attrNameLst>
+                                      </p:cBhvr>
+                                      <p:to>
+                                        <p:strVal val="visible"/>
+                                      </p:to>
+                                    </p:set>
+                                    <p:animEffect transition="in" filter="fade">
+                                      <p:cBhvr>
+                                        <p:cTn id="15" dur="500"/>
+                                        <p:tgtEl>
+                                          <p:spTgt spid="4">
+                                            <p:txEl>
+                                              <p:pRg st="2" end="2"/>
+                                            </p:txEl>
+                                          </p:spTgt>
+                                        </p:tgtEl>
+                                      </p:cBhvr>
+                                    </p:animEffect>
+                                  </p:childTnLst>
+                                </p:cTn>
+                              </p:par>
+                              <p:par>
+                                <p:cTn id="16" presetID="10" presetClass="entr" presetSubtype="0" fill="hold" nodeType="withEffect">
+                                  <p:stCondLst>
+                                    <p:cond delay="0"/>
+                                  </p:stCondLst>
+                                  <p:childTnLst>
+                                    <p:set>
+                                      <p:cBhvr>
+                                        <p:cTn id="17" dur="1" fill="hold">
+                                          <p:stCondLst>
+                                            <p:cond delay="0"/>
+                                          </p:stCondLst>
+                                        </p:cTn>
+                                        <p:tgtEl>
+                                          <p:spTgt spid="4">
+                                            <p:txEl>
+                                              <p:pRg st="3" end="3"/>
+                                            </p:txEl>
+                                          </p:spTgt>
+                                        </p:tgtEl>
+                                        <p:attrNameLst>
+                                          <p:attrName>style.visibility</p:attrName>
+                                        </p:attrNameLst>
+                                      </p:cBhvr>
+                                      <p:to>
+                                        <p:strVal val="visible"/>
+                                      </p:to>
+                                    </p:set>
+                                    <p:animEffect transition="in" filter="fade">
+                                      <p:cBhvr>
+                                        <p:cTn id="18" dur="500"/>
+                                        <p:tgtEl>
+                                          <p:spTgt spid="4">
+                                            <p:txEl>
+                                              <p:pRg st="3" end="3"/>
+                                            </p:txEl>
+                                          </p:spTgt>
+                                        </p:tgtEl>
+                                      </p:cBhvr>
+                                    </p:animEffect>
+                                  </p:childTnLst>
+                                </p:cTn>
+                              </p:par>
+                              <p:par>
+                                <p:cTn id="19" presetID="10" presetClass="entr" presetSubtype="0" fill="hold" nodeType="withEffect">
+                                  <p:stCondLst>
+                                    <p:cond delay="0"/>
+                                  </p:stCondLst>
+                                  <p:childTnLst>
+                                    <p:set>
+                                      <p:cBhvr>
+                                        <p:cTn id="20" dur="1" fill="hold">
+                                          <p:stCondLst>
+                                            <p:cond delay="0"/>
+                                          </p:stCondLst>
+                                        </p:cTn>
+                                        <p:tgtEl>
+                                          <p:spTgt spid="4">
+                                            <p:txEl>
+                                              <p:pRg st="4" end="4"/>
+                                            </p:txEl>
+                                          </p:spTgt>
+                                        </p:tgtEl>
+                                        <p:attrNameLst>
+                                          <p:attrName>style.visibility</p:attrName>
+                                        </p:attrNameLst>
+                                      </p:cBhvr>
+                                      <p:to>
+                                        <p:strVal val="visible"/>
+                                      </p:to>
+                                    </p:set>
+                                    <p:animEffect transition="in" filter="fade">
+                                      <p:cBhvr>
+                                        <p:cTn id="21" dur="500"/>
+                                        <p:tgtEl>
+                                          <p:spTgt spid="4">
+                                            <p:txEl>
+                                              <p:pRg st="4" end="4"/>
+                                            </p:txEl>
+                                          </p:spTgt>
+                                        </p:tgtEl>
+                                      </p:cBhvr>
+                                    </p:animEffect>
+                                  </p:childTnLst>
+                                </p:cTn>
+                              </p:par>
+                              <p:par>
+                                <p:cTn id="22" presetID="10" presetClass="entr" presetSubtype="0" fill="hold" nodeType="withEffect">
+                                  <p:stCondLst>
+                                    <p:cond delay="0"/>
+                                  </p:stCondLst>
+                                  <p:childTnLst>
+                                    <p:set>
+                                      <p:cBhvr>
+                                        <p:cTn id="23" dur="1" fill="hold">
+                                          <p:stCondLst>
+                                            <p:cond delay="0"/>
+                                          </p:stCondLst>
+                                        </p:cTn>
+                                        <p:tgtEl>
+                                          <p:spTgt spid="4">
+                                            <p:txEl>
+                                              <p:pRg st="5" end="5"/>
+                                            </p:txEl>
+                                          </p:spTgt>
+                                        </p:tgtEl>
+                                        <p:attrNameLst>
+                                          <p:attrName>style.visibility</p:attrName>
+                                        </p:attrNameLst>
+                                      </p:cBhvr>
+                                      <p:to>
+                                        <p:strVal val="visible"/>
+                                      </p:to>
+                                    </p:set>
+                                    <p:animEffect transition="in" filter="fade">
+                                      <p:cBhvr>
+                                        <p:cTn id="24" dur="500"/>
+                                        <p:tgtEl>
+                                          <p:spTgt spid="4">
+                                            <p:txEl>
+                                              <p:pRg st="5" end="5"/>
+                                            </p:txEl>
+                                          </p:spTgt>
+                                        </p:tgtEl>
+                                      </p:cBhvr>
+                                    </p:animEffect>
+                                  </p:childTnLst>
+                                </p:cTn>
+                              </p:par>
+                              <p:par>
+                                <p:cTn id="25" presetID="10" presetClass="entr" presetSubtype="0" fill="hold" nodeType="withEffect">
+                                  <p:stCondLst>
+                                    <p:cond delay="0"/>
+                                  </p:stCondLst>
+                                  <p:childTnLst>
+                                    <p:set>
+                                      <p:cBhvr>
+                                        <p:cTn id="26" dur="1" fill="hold">
+                                          <p:stCondLst>
+                                            <p:cond delay="0"/>
+                                          </p:stCondLst>
+                                        </p:cTn>
+                                        <p:tgtEl>
+                                          <p:spTgt spid="4">
+                                            <p:txEl>
+                                              <p:pRg st="6" end="6"/>
+                                            </p:txEl>
+                                          </p:spTgt>
+                                        </p:tgtEl>
+                                        <p:attrNameLst>
+                                          <p:attrName>style.visibility</p:attrName>
+                                        </p:attrNameLst>
+                                      </p:cBhvr>
+                                      <p:to>
+                                        <p:strVal val="visible"/>
+                                      </p:to>
+                                    </p:set>
+                                    <p:animEffect transition="in" filter="fade">
+                                      <p:cBhvr>
+                                        <p:cTn id="27" dur="500"/>
+                                        <p:tgtEl>
+                                          <p:spTgt spid="4">
+                                            <p:txEl>
+                                              <p:pRg st="6" end="6"/>
+                                            </p:txEl>
+                                          </p:spTgt>
+                                        </p:tgtEl>
+                                      </p:cBhvr>
+                                    </p:animEffect>
+                                  </p:childTnLst>
+                                </p:cTn>
+                              </p:par>
+                            </p:childTnLst>
+                          </p:cTn>
+                        </p:par>
+                      </p:childTnLst>
+                    </p:cTn>
+                  </p:par>
+                </p:childTnLst>
+              </p:cTn>
+              <p:prevCondLst>
+                <p:cond evt="onPrev" delay="0">
+                  <p:tgtEl>
+                    <p:sldTgt/>
+                  </p:tgtEl>
+                </p:cond>
+              </p:prevCondLst>
+              <p:nextCondLst>
+                <p:cond evt="onNext" delay="0">
+                  <p:tgtEl>
+                    <p:sldTgt/>
+                  </p:tgtEl>
+                </p:cond>
+              </p:nextCondLst>
+            </p:seq>
+          </p:childTnLst>
+        </p:cTn>
+      </p:par>
+    </p:tnLst>
+  </p:timing>
 </p:sld>
 </file>
 
@@ -7362,6 +9307,205 @@
   <p:clrMapOvr>
     <a:masterClrMapping/>
   </p:clrMapOvr>
+  <mc:AlternateContent xmlns:mc="http://schemas.openxmlformats.org/markup-compatibility/2006">
+    <mc:Choice xmlns:p14="http://schemas.microsoft.com/office/powerpoint/2010/main" Requires="p14">
+      <p:transition spd="med" p14:dur="700">
+        <p:fade/>
+      </p:transition>
+    </mc:Choice>
+    <mc:Fallback>
+      <p:transition spd="med">
+        <p:fade/>
+      </p:transition>
+    </mc:Fallback>
+  </mc:AlternateContent>
+  <p:timing>
+    <p:tnLst>
+      <p:par>
+        <p:cTn id="1" dur="indefinite" restart="never" nodeType="tmRoot">
+          <p:childTnLst>
+            <p:seq concurrent="1" nextAc="seek">
+              <p:cTn id="2" dur="indefinite" nodeType="mainSeq">
+                <p:childTnLst>
+                  <p:par>
+                    <p:cTn id="3" fill="hold">
+                      <p:stCondLst>
+                        <p:cond delay="indefinite"/>
+                      </p:stCondLst>
+                      <p:childTnLst>
+                        <p:par>
+                          <p:cTn id="4" fill="hold">
+                            <p:stCondLst>
+                              <p:cond delay="0"/>
+                            </p:stCondLst>
+                            <p:childTnLst>
+                              <p:par>
+                                <p:cTn id="5" presetID="10" presetClass="entr" presetSubtype="0" fill="hold" nodeType="clickEffect">
+                                  <p:stCondLst>
+                                    <p:cond delay="0"/>
+                                  </p:stCondLst>
+                                  <p:childTnLst>
+                                    <p:set>
+                                      <p:cBhvr>
+                                        <p:cTn id="6" dur="1" fill="hold">
+                                          <p:stCondLst>
+                                            <p:cond delay="0"/>
+                                          </p:stCondLst>
+                                        </p:cTn>
+                                        <p:tgtEl>
+                                          <p:spTgt spid="1026"/>
+                                        </p:tgtEl>
+                                        <p:attrNameLst>
+                                          <p:attrName>style.visibility</p:attrName>
+                                        </p:attrNameLst>
+                                      </p:cBhvr>
+                                      <p:to>
+                                        <p:strVal val="visible"/>
+                                      </p:to>
+                                    </p:set>
+                                    <p:animEffect transition="in" filter="fade">
+                                      <p:cBhvr>
+                                        <p:cTn id="7" dur="500"/>
+                                        <p:tgtEl>
+                                          <p:spTgt spid="1026"/>
+                                        </p:tgtEl>
+                                      </p:cBhvr>
+                                    </p:animEffect>
+                                  </p:childTnLst>
+                                </p:cTn>
+                              </p:par>
+                            </p:childTnLst>
+                          </p:cTn>
+                        </p:par>
+                      </p:childTnLst>
+                    </p:cTn>
+                  </p:par>
+                  <p:par>
+                    <p:cTn id="8" fill="hold">
+                      <p:stCondLst>
+                        <p:cond delay="indefinite"/>
+                      </p:stCondLst>
+                      <p:childTnLst>
+                        <p:par>
+                          <p:cTn id="9" fill="hold">
+                            <p:stCondLst>
+                              <p:cond delay="0"/>
+                            </p:stCondLst>
+                            <p:childTnLst>
+                              <p:par>
+                                <p:cTn id="10" presetID="10" presetClass="entr" presetSubtype="0" fill="hold" nodeType="clickEffect">
+                                  <p:stCondLst>
+                                    <p:cond delay="0"/>
+                                  </p:stCondLst>
+                                  <p:childTnLst>
+                                    <p:set>
+                                      <p:cBhvr>
+                                        <p:cTn id="11" dur="1" fill="hold">
+                                          <p:stCondLst>
+                                            <p:cond delay="0"/>
+                                          </p:stCondLst>
+                                        </p:cTn>
+                                        <p:tgtEl>
+                                          <p:spTgt spid="2">
+                                            <p:txEl>
+                                              <p:pRg st="0" end="0"/>
+                                            </p:txEl>
+                                          </p:spTgt>
+                                        </p:tgtEl>
+                                        <p:attrNameLst>
+                                          <p:attrName>style.visibility</p:attrName>
+                                        </p:attrNameLst>
+                                      </p:cBhvr>
+                                      <p:to>
+                                        <p:strVal val="visible"/>
+                                      </p:to>
+                                    </p:set>
+                                    <p:animEffect transition="in" filter="fade">
+                                      <p:cBhvr>
+                                        <p:cTn id="12" dur="500"/>
+                                        <p:tgtEl>
+                                          <p:spTgt spid="2">
+                                            <p:txEl>
+                                              <p:pRg st="0" end="0"/>
+                                            </p:txEl>
+                                          </p:spTgt>
+                                        </p:tgtEl>
+                                      </p:cBhvr>
+                                    </p:animEffect>
+                                  </p:childTnLst>
+                                </p:cTn>
+                              </p:par>
+                              <p:par>
+                                <p:cTn id="13" presetID="10" presetClass="entr" presetSubtype="0" fill="hold" nodeType="withEffect">
+                                  <p:stCondLst>
+                                    <p:cond delay="0"/>
+                                  </p:stCondLst>
+                                  <p:childTnLst>
+                                    <p:set>
+                                      <p:cBhvr>
+                                        <p:cTn id="14" dur="1" fill="hold">
+                                          <p:stCondLst>
+                                            <p:cond delay="0"/>
+                                          </p:stCondLst>
+                                        </p:cTn>
+                                        <p:tgtEl>
+                                          <p:spTgt spid="2">
+                                            <p:txEl>
+                                              <p:pRg st="1" end="1"/>
+                                            </p:txEl>
+                                          </p:spTgt>
+                                        </p:tgtEl>
+                                        <p:attrNameLst>
+                                          <p:attrName>style.visibility</p:attrName>
+                                        </p:attrNameLst>
+                                      </p:cBhvr>
+                                      <p:to>
+                                        <p:strVal val="visible"/>
+                                      </p:to>
+                                    </p:set>
+                                    <p:animEffect transition="in" filter="fade">
+                                      <p:cBhvr>
+                                        <p:cTn id="15" dur="500"/>
+                                        <p:tgtEl>
+                                          <p:spTgt spid="2">
+                                            <p:txEl>
+                                              <p:pRg st="1" end="1"/>
+                                            </p:txEl>
+                                          </p:spTgt>
+                                        </p:tgtEl>
+                                      </p:cBhvr>
+                                    </p:animEffect>
+                                  </p:childTnLst>
+                                </p:cTn>
+                              </p:par>
+                            </p:childTnLst>
+                          </p:cTn>
+                        </p:par>
+                      </p:childTnLst>
+                    </p:cTn>
+                  </p:par>
+                </p:childTnLst>
+              </p:cTn>
+              <p:prevCondLst>
+                <p:cond evt="onPrev" delay="0">
+                  <p:tgtEl>
+                    <p:sldTgt/>
+                  </p:tgtEl>
+                </p:cond>
+              </p:prevCondLst>
+              <p:nextCondLst>
+                <p:cond evt="onNext" delay="0">
+                  <p:tgtEl>
+                    <p:sldTgt/>
+                  </p:tgtEl>
+                </p:cond>
+              </p:nextCondLst>
+            </p:seq>
+          </p:childTnLst>
+        </p:cTn>
+      </p:par>
+    </p:tnLst>
+  </p:timing>
 </p:sld>
 </file>
 
@@ -7562,6 +9706,258 @@
   <p:clrMapOvr>
     <a:masterClrMapping/>
   </p:clrMapOvr>
+  <mc:AlternateContent xmlns:mc="http://schemas.openxmlformats.org/markup-compatibility/2006">
+    <mc:Choice xmlns:p14="http://schemas.microsoft.com/office/powerpoint/2010/main" Requires="p14">
+      <p:transition spd="med" p14:dur="700">
+        <p:fade/>
+      </p:transition>
+    </mc:Choice>
+    <mc:Fallback>
+      <p:transition spd="med">
+        <p:fade/>
+      </p:transition>
+    </mc:Fallback>
+  </mc:AlternateContent>
+  <p:timing>
+    <p:tnLst>
+      <p:par>
+        <p:cTn id="1" dur="indefinite" restart="never" nodeType="tmRoot">
+          <p:childTnLst>
+            <p:seq concurrent="1" nextAc="seek">
+              <p:cTn id="2" dur="indefinite" nodeType="mainSeq">
+                <p:childTnLst>
+                  <p:par>
+                    <p:cTn id="3" fill="hold">
+                      <p:stCondLst>
+                        <p:cond delay="indefinite"/>
+                      </p:stCondLst>
+                      <p:childTnLst>
+                        <p:par>
+                          <p:cTn id="4" fill="hold">
+                            <p:stCondLst>
+                              <p:cond delay="0"/>
+                            </p:stCondLst>
+                            <p:childTnLst>
+                              <p:par>
+                                <p:cTn id="5" presetID="10" presetClass="entr" presetSubtype="0" fill="hold" nodeType="clickEffect">
+                                  <p:stCondLst>
+                                    <p:cond delay="0"/>
+                                  </p:stCondLst>
+                                  <p:childTnLst>
+                                    <p:set>
+                                      <p:cBhvr>
+                                        <p:cTn id="6" dur="1" fill="hold">
+                                          <p:stCondLst>
+                                            <p:cond delay="0"/>
+                                          </p:stCondLst>
+                                        </p:cTn>
+                                        <p:tgtEl>
+                                          <p:spTgt spid="2050"/>
+                                        </p:tgtEl>
+                                        <p:attrNameLst>
+                                          <p:attrName>style.visibility</p:attrName>
+                                        </p:attrNameLst>
+                                      </p:cBhvr>
+                                      <p:to>
+                                        <p:strVal val="visible"/>
+                                      </p:to>
+                                    </p:set>
+                                    <p:animEffect transition="in" filter="fade">
+                                      <p:cBhvr>
+                                        <p:cTn id="7" dur="500"/>
+                                        <p:tgtEl>
+                                          <p:spTgt spid="2050"/>
+                                        </p:tgtEl>
+                                      </p:cBhvr>
+                                    </p:animEffect>
+                                  </p:childTnLst>
+                                </p:cTn>
+                              </p:par>
+                            </p:childTnLst>
+                          </p:cTn>
+                        </p:par>
+                      </p:childTnLst>
+                    </p:cTn>
+                  </p:par>
+                  <p:par>
+                    <p:cTn id="8" fill="hold">
+                      <p:stCondLst>
+                        <p:cond delay="indefinite"/>
+                      </p:stCondLst>
+                      <p:childTnLst>
+                        <p:par>
+                          <p:cTn id="9" fill="hold">
+                            <p:stCondLst>
+                              <p:cond delay="0"/>
+                            </p:stCondLst>
+                            <p:childTnLst>
+                              <p:par>
+                                <p:cTn id="10" presetID="10" presetClass="entr" presetSubtype="0" fill="hold" nodeType="clickEffect">
+                                  <p:stCondLst>
+                                    <p:cond delay="0"/>
+                                  </p:stCondLst>
+                                  <p:childTnLst>
+                                    <p:set>
+                                      <p:cBhvr>
+                                        <p:cTn id="11" dur="1" fill="hold">
+                                          <p:stCondLst>
+                                            <p:cond delay="0"/>
+                                          </p:stCondLst>
+                                        </p:cTn>
+                                        <p:tgtEl>
+                                          <p:spTgt spid="2">
+                                            <p:txEl>
+                                              <p:pRg st="0" end="0"/>
+                                            </p:txEl>
+                                          </p:spTgt>
+                                        </p:tgtEl>
+                                        <p:attrNameLst>
+                                          <p:attrName>style.visibility</p:attrName>
+                                        </p:attrNameLst>
+                                      </p:cBhvr>
+                                      <p:to>
+                                        <p:strVal val="visible"/>
+                                      </p:to>
+                                    </p:set>
+                                    <p:animEffect transition="in" filter="fade">
+                                      <p:cBhvr>
+                                        <p:cTn id="12" dur="500"/>
+                                        <p:tgtEl>
+                                          <p:spTgt spid="2">
+                                            <p:txEl>
+                                              <p:pRg st="0" end="0"/>
+                                            </p:txEl>
+                                          </p:spTgt>
+                                        </p:tgtEl>
+                                      </p:cBhvr>
+                                    </p:animEffect>
+                                  </p:childTnLst>
+                                </p:cTn>
+                              </p:par>
+                              <p:par>
+                                <p:cTn id="13" presetID="10" presetClass="entr" presetSubtype="0" fill="hold" nodeType="withEffect">
+                                  <p:stCondLst>
+                                    <p:cond delay="0"/>
+                                  </p:stCondLst>
+                                  <p:childTnLst>
+                                    <p:set>
+                                      <p:cBhvr>
+                                        <p:cTn id="14" dur="1" fill="hold">
+                                          <p:stCondLst>
+                                            <p:cond delay="0"/>
+                                          </p:stCondLst>
+                                        </p:cTn>
+                                        <p:tgtEl>
+                                          <p:spTgt spid="2">
+                                            <p:txEl>
+                                              <p:pRg st="1" end="1"/>
+                                            </p:txEl>
+                                          </p:spTgt>
+                                        </p:tgtEl>
+                                        <p:attrNameLst>
+                                          <p:attrName>style.visibility</p:attrName>
+                                        </p:attrNameLst>
+                                      </p:cBhvr>
+                                      <p:to>
+                                        <p:strVal val="visible"/>
+                                      </p:to>
+                                    </p:set>
+                                    <p:animEffect transition="in" filter="fade">
+                                      <p:cBhvr>
+                                        <p:cTn id="15" dur="500"/>
+                                        <p:tgtEl>
+                                          <p:spTgt spid="2">
+                                            <p:txEl>
+                                              <p:pRg st="1" end="1"/>
+                                            </p:txEl>
+                                          </p:spTgt>
+                                        </p:tgtEl>
+                                      </p:cBhvr>
+                                    </p:animEffect>
+                                  </p:childTnLst>
+                                </p:cTn>
+                              </p:par>
+                            </p:childTnLst>
+                          </p:cTn>
+                        </p:par>
+                      </p:childTnLst>
+                    </p:cTn>
+                  </p:par>
+                  <p:par>
+                    <p:cTn id="16" fill="hold">
+                      <p:stCondLst>
+                        <p:cond delay="indefinite"/>
+                      </p:stCondLst>
+                      <p:childTnLst>
+                        <p:par>
+                          <p:cTn id="17" fill="hold">
+                            <p:stCondLst>
+                              <p:cond delay="0"/>
+                            </p:stCondLst>
+                            <p:childTnLst>
+                              <p:par>
+                                <p:cTn id="18" presetID="10" presetClass="entr" presetSubtype="0" fill="hold" nodeType="clickEffect">
+                                  <p:stCondLst>
+                                    <p:cond delay="0"/>
+                                  </p:stCondLst>
+                                  <p:childTnLst>
+                                    <p:set>
+                                      <p:cBhvr>
+                                        <p:cTn id="19" dur="1" fill="hold">
+                                          <p:stCondLst>
+                                            <p:cond delay="0"/>
+                                          </p:stCondLst>
+                                        </p:cTn>
+                                        <p:tgtEl>
+                                          <p:spTgt spid="4098"/>
+                                        </p:tgtEl>
+                                        <p:attrNameLst>
+                                          <p:attrName>style.visibility</p:attrName>
+                                        </p:attrNameLst>
+                                      </p:cBhvr>
+                                      <p:to>
+                                        <p:strVal val="visible"/>
+                                      </p:to>
+                                    </p:set>
+                                    <p:animEffect transition="in" filter="fade">
+                                      <p:cBhvr>
+                                        <p:cTn id="20" dur="500"/>
+                                        <p:tgtEl>
+                                          <p:spTgt spid="4098"/>
+                                        </p:tgtEl>
+                                      </p:cBhvr>
+                                    </p:animEffect>
+                                  </p:childTnLst>
+                                </p:cTn>
+                              </p:par>
+                            </p:childTnLst>
+                          </p:cTn>
+                        </p:par>
+                      </p:childTnLst>
+                    </p:cTn>
+                  </p:par>
+                </p:childTnLst>
+              </p:cTn>
+              <p:prevCondLst>
+                <p:cond evt="onPrev" delay="0">
+                  <p:tgtEl>
+                    <p:sldTgt/>
+                  </p:tgtEl>
+                </p:cond>
+              </p:prevCondLst>
+              <p:nextCondLst>
+                <p:cond evt="onNext" delay="0">
+                  <p:tgtEl>
+                    <p:sldTgt/>
+                  </p:tgtEl>
+                </p:cond>
+              </p:nextCondLst>
+            </p:seq>
+          </p:childTnLst>
+        </p:cTn>
+      </p:par>
+    </p:tnLst>
+  </p:timing>
 </p:sld>
 </file>
 
@@ -7704,7 +10100,7 @@
         </p:blipFill>
         <p:spPr>
           <a:xfrm>
-            <a:off x="5867615" y="2270729"/>
+            <a:off x="5877556" y="2270729"/>
             <a:ext cx="4102295" cy="4102295"/>
           </a:xfrm>
           <a:prstGeom prst="rect">
@@ -7722,6 +10118,195 @@
   <p:clrMapOvr>
     <a:masterClrMapping/>
   </p:clrMapOvr>
+  <p:timing>
+    <p:tnLst>
+      <p:par>
+        <p:cTn id="1" dur="indefinite" restart="never" nodeType="tmRoot">
+          <p:childTnLst>
+            <p:seq concurrent="1" nextAc="seek">
+              <p:cTn id="2" dur="indefinite" nodeType="mainSeq">
+                <p:childTnLst>
+                  <p:par>
+                    <p:cTn id="3" fill="hold">
+                      <p:stCondLst>
+                        <p:cond delay="indefinite"/>
+                      </p:stCondLst>
+                      <p:childTnLst>
+                        <p:par>
+                          <p:cTn id="4" fill="hold">
+                            <p:stCondLst>
+                              <p:cond delay="0"/>
+                            </p:stCondLst>
+                            <p:childTnLst>
+                              <p:par>
+                                <p:cTn id="5" presetID="10" presetClass="entr" presetSubtype="0" fill="hold" nodeType="clickEffect">
+                                  <p:stCondLst>
+                                    <p:cond delay="0"/>
+                                  </p:stCondLst>
+                                  <p:childTnLst>
+                                    <p:set>
+                                      <p:cBhvr>
+                                        <p:cTn id="6" dur="1" fill="hold">
+                                          <p:stCondLst>
+                                            <p:cond delay="0"/>
+                                          </p:stCondLst>
+                                        </p:cTn>
+                                        <p:tgtEl>
+                                          <p:spTgt spid="2050"/>
+                                        </p:tgtEl>
+                                        <p:attrNameLst>
+                                          <p:attrName>style.visibility</p:attrName>
+                                        </p:attrNameLst>
+                                      </p:cBhvr>
+                                      <p:to>
+                                        <p:strVal val="visible"/>
+                                      </p:to>
+                                    </p:set>
+                                    <p:animEffect transition="in" filter="fade">
+                                      <p:cBhvr>
+                                        <p:cTn id="7" dur="500"/>
+                                        <p:tgtEl>
+                                          <p:spTgt spid="2050"/>
+                                        </p:tgtEl>
+                                      </p:cBhvr>
+                                    </p:animEffect>
+                                  </p:childTnLst>
+                                </p:cTn>
+                              </p:par>
+                            </p:childTnLst>
+                          </p:cTn>
+                        </p:par>
+                      </p:childTnLst>
+                    </p:cTn>
+                  </p:par>
+                  <p:par>
+                    <p:cTn id="8" fill="hold">
+                      <p:stCondLst>
+                        <p:cond delay="indefinite"/>
+                      </p:stCondLst>
+                      <p:childTnLst>
+                        <p:par>
+                          <p:cTn id="9" fill="hold">
+                            <p:stCondLst>
+                              <p:cond delay="0"/>
+                            </p:stCondLst>
+                            <p:childTnLst>
+                              <p:par>
+                                <p:cTn id="10" presetID="10" presetClass="entr" presetSubtype="0" fill="hold" nodeType="clickEffect">
+                                  <p:stCondLst>
+                                    <p:cond delay="0"/>
+                                  </p:stCondLst>
+                                  <p:childTnLst>
+                                    <p:set>
+                                      <p:cBhvr>
+                                        <p:cTn id="11" dur="1" fill="hold">
+                                          <p:stCondLst>
+                                            <p:cond delay="0"/>
+                                          </p:stCondLst>
+                                        </p:cTn>
+                                        <p:tgtEl>
+                                          <p:spTgt spid="4098"/>
+                                        </p:tgtEl>
+                                        <p:attrNameLst>
+                                          <p:attrName>style.visibility</p:attrName>
+                                        </p:attrNameLst>
+                                      </p:cBhvr>
+                                      <p:to>
+                                        <p:strVal val="visible"/>
+                                      </p:to>
+                                    </p:set>
+                                    <p:animEffect transition="in" filter="fade">
+                                      <p:cBhvr>
+                                        <p:cTn id="12" dur="500"/>
+                                        <p:tgtEl>
+                                          <p:spTgt spid="4098"/>
+                                        </p:tgtEl>
+                                      </p:cBhvr>
+                                    </p:animEffect>
+                                  </p:childTnLst>
+                                </p:cTn>
+                              </p:par>
+                            </p:childTnLst>
+                          </p:cTn>
+                        </p:par>
+                      </p:childTnLst>
+                    </p:cTn>
+                  </p:par>
+                  <p:par>
+                    <p:cTn id="13" fill="hold">
+                      <p:stCondLst>
+                        <p:cond delay="indefinite"/>
+                      </p:stCondLst>
+                      <p:childTnLst>
+                        <p:par>
+                          <p:cTn id="14" fill="hold">
+                            <p:stCondLst>
+                              <p:cond delay="0"/>
+                            </p:stCondLst>
+                            <p:childTnLst>
+                              <p:par>
+                                <p:cTn id="15" presetID="10" presetClass="entr" presetSubtype="0" fill="hold" nodeType="clickEffect">
+                                  <p:stCondLst>
+                                    <p:cond delay="0"/>
+                                  </p:stCondLst>
+                                  <p:childTnLst>
+                                    <p:set>
+                                      <p:cBhvr>
+                                        <p:cTn id="16" dur="1" fill="hold">
+                                          <p:stCondLst>
+                                            <p:cond delay="0"/>
+                                          </p:stCondLst>
+                                        </p:cTn>
+                                        <p:tgtEl>
+                                          <p:spTgt spid="4"/>
+                                        </p:tgtEl>
+                                        <p:attrNameLst>
+                                          <p:attrName>style.visibility</p:attrName>
+                                        </p:attrNameLst>
+                                      </p:cBhvr>
+                                      <p:to>
+                                        <p:strVal val="visible"/>
+                                      </p:to>
+                                    </p:set>
+                                    <p:animEffect transition="in" filter="fade">
+                                      <p:cBhvr>
+                                        <p:cTn id="17" dur="500"/>
+                                        <p:tgtEl>
+                                          <p:spTgt spid="4"/>
+                                        </p:tgtEl>
+                                      </p:cBhvr>
+                                    </p:animEffect>
+                                  </p:childTnLst>
+                                </p:cTn>
+                              </p:par>
+                            </p:childTnLst>
+                          </p:cTn>
+                        </p:par>
+                      </p:childTnLst>
+                    </p:cTn>
+                  </p:par>
+                </p:childTnLst>
+              </p:cTn>
+              <p:prevCondLst>
+                <p:cond evt="onPrev" delay="0">
+                  <p:tgtEl>
+                    <p:sldTgt/>
+                  </p:tgtEl>
+                </p:cond>
+              </p:prevCondLst>
+              <p:nextCondLst>
+                <p:cond evt="onNext" delay="0">
+                  <p:tgtEl>
+                    <p:sldTgt/>
+                  </p:tgtEl>
+                </p:cond>
+              </p:nextCondLst>
+            </p:seq>
+          </p:childTnLst>
+        </p:cTn>
+      </p:par>
+    </p:tnLst>
+  </p:timing>
 </p:sld>
 </file>
 
